--- a/Week 3 - Control Flow Structures/PowerPoint Presentations/Week_3_Part_2_Control_Flow_Structures.pptx
+++ b/Week 3 - Control Flow Structures/PowerPoint Presentations/Week_3_Part_2_Control_Flow_Structures.pptx
@@ -217,7 +217,7 @@
           <a:p>
             <a:fld id="{C0DB4203-FCE6-4DB9-8B82-6DDA69D645A0}" type="datetimeFigureOut">
               <a:rPr lang="en-ZA" smtClean="0"/>
-              <a:t>2023/05/09</a:t>
+              <a:t>23 May 2023</a:t>
             </a:fld>
             <a:endParaRPr lang="en-ZA"/>
           </a:p>
@@ -3800,7 +3800,7 @@
               <a:buNone/>
             </a:pPr>
             <a:r>
-              <a:rPr lang="en-ZA" sz="1500" b="1" dirty="0">
+              <a:rPr lang="en-ZA" sz="1600" b="1" dirty="0">
                 <a:effectLst/>
                 <a:latin typeface="Helvetica" panose="020B0604020202020204" pitchFamily="34" charset="0"/>
                 <a:ea typeface="Times New Roman" panose="02020603050405020304" pitchFamily="18" charset="0"/>
@@ -3823,7 +3823,7 @@
               <a:buNone/>
             </a:pPr>
             <a:r>
-              <a:rPr lang="en-ZA" sz="1500" dirty="0">
+              <a:rPr lang="en-ZA" sz="1600" dirty="0">
                 <a:effectLst/>
                 <a:latin typeface="Helvetica" panose="020B0604020202020204" pitchFamily="34" charset="0"/>
                 <a:ea typeface="Times New Roman" panose="02020603050405020304" pitchFamily="18" charset="0"/>
@@ -3843,7 +3843,7 @@
               <a:buNone/>
             </a:pPr>
             <a:r>
-              <a:rPr lang="en-ZA" sz="1500" dirty="0">
+              <a:rPr lang="en-ZA" sz="1600" dirty="0">
                 <a:solidFill>
                   <a:srgbClr val="000000"/>
                 </a:solidFill>
@@ -3855,7 +3855,7 @@
               <a:t>fruits = [</a:t>
             </a:r>
             <a:r>
-              <a:rPr lang="en-ZA" sz="1500" dirty="0">
+              <a:rPr lang="en-ZA" sz="1600" dirty="0">
                 <a:solidFill>
                   <a:srgbClr val="AA04F9"/>
                 </a:solidFill>
@@ -3867,7 +3867,7 @@
               <a:t>"apples"</a:t>
             </a:r>
             <a:r>
-              <a:rPr lang="en-ZA" sz="1500" dirty="0">
+              <a:rPr lang="en-ZA" sz="1600" dirty="0">
                 <a:solidFill>
                   <a:srgbClr val="000000"/>
                 </a:solidFill>
@@ -3879,7 +3879,7 @@
               <a:t>, </a:t>
             </a:r>
             <a:r>
-              <a:rPr lang="en-ZA" sz="1500" dirty="0">
+              <a:rPr lang="en-ZA" sz="1600" dirty="0">
                 <a:solidFill>
                   <a:srgbClr val="AA04F9"/>
                 </a:solidFill>
@@ -3891,7 +3891,7 @@
               <a:t>"pears"</a:t>
             </a:r>
             <a:r>
-              <a:rPr lang="en-ZA" sz="1500" dirty="0">
+              <a:rPr lang="en-ZA" sz="1600" dirty="0">
                 <a:solidFill>
                   <a:srgbClr val="000000"/>
                 </a:solidFill>
@@ -3903,7 +3903,7 @@
               <a:t>, </a:t>
             </a:r>
             <a:r>
-              <a:rPr lang="en-ZA" sz="1500" dirty="0">
+              <a:rPr lang="en-ZA" sz="1600" dirty="0">
                 <a:solidFill>
                   <a:srgbClr val="AA04F9"/>
                 </a:solidFill>
@@ -3915,7 +3915,7 @@
               <a:t>"pineapples"</a:t>
             </a:r>
             <a:r>
-              <a:rPr lang="en-ZA" sz="1500" dirty="0">
+              <a:rPr lang="en-ZA" sz="1600" dirty="0">
                 <a:solidFill>
                   <a:srgbClr val="000000"/>
                 </a:solidFill>
@@ -3927,7 +3927,7 @@
               <a:t>, </a:t>
             </a:r>
             <a:r>
-              <a:rPr lang="en-ZA" sz="1500" dirty="0">
+              <a:rPr lang="en-ZA" sz="1600" dirty="0">
                 <a:solidFill>
                   <a:srgbClr val="AA04F9"/>
                 </a:solidFill>
@@ -3939,7 +3939,7 @@
               <a:t>"apples"</a:t>
             </a:r>
             <a:r>
-              <a:rPr lang="en-ZA" sz="1500" dirty="0">
+              <a:rPr lang="en-ZA" sz="1600" dirty="0">
                 <a:solidFill>
                   <a:srgbClr val="000000"/>
                 </a:solidFill>
@@ -3950,7 +3950,7 @@
               </a:rPr>
               <a:t>];</a:t>
             </a:r>
-            <a:endParaRPr lang="en-ZA" sz="1500" dirty="0">
+            <a:endParaRPr lang="en-ZA" sz="1600" dirty="0">
               <a:solidFill>
                 <a:srgbClr val="000000"/>
               </a:solidFill>
@@ -3969,7 +3969,7 @@
               </a:spcBef>
               <a:buNone/>
             </a:pPr>
-            <a:endParaRPr lang="en-ZA" sz="1500" dirty="0">
+            <a:endParaRPr lang="en-ZA" sz="1600" dirty="0">
               <a:effectLst/>
               <a:latin typeface="Consolas" panose="020B0609020204030204" pitchFamily="49" charset="0"/>
               <a:ea typeface="Times New Roman" panose="02020603050405020304" pitchFamily="18" charset="0"/>
@@ -3984,7 +3984,7 @@
               <a:buNone/>
             </a:pPr>
             <a:r>
-              <a:rPr lang="en-ZA" sz="1500" dirty="0">
+              <a:rPr lang="en-ZA" sz="1600" dirty="0">
                 <a:solidFill>
                   <a:srgbClr val="0E00FF"/>
                 </a:solidFill>
@@ -3996,7 +3996,7 @@
               <a:t>for </a:t>
             </a:r>
             <a:r>
-              <a:rPr lang="en-ZA" sz="1500" dirty="0" err="1">
+              <a:rPr lang="en-ZA" sz="1600" dirty="0" err="1">
                 <a:solidFill>
                   <a:srgbClr val="000000"/>
                 </a:solidFill>
@@ -4008,7 +4008,7 @@
               <a:t>i</a:t>
             </a:r>
             <a:r>
-              <a:rPr lang="en-ZA" sz="1500" dirty="0">
+              <a:rPr lang="en-ZA" sz="1600" dirty="0">
                 <a:solidFill>
                   <a:srgbClr val="000000"/>
                 </a:solidFill>
@@ -4019,7 +4019,7 @@
               </a:rPr>
               <a:t> = fruits</a:t>
             </a:r>
-            <a:endParaRPr lang="en-ZA" sz="1500" dirty="0">
+            <a:endParaRPr lang="en-ZA" sz="1600" dirty="0">
               <a:effectLst/>
               <a:latin typeface="Consolas" panose="020B0609020204030204" pitchFamily="49" charset="0"/>
               <a:ea typeface="Times New Roman" panose="02020603050405020304" pitchFamily="18" charset="0"/>
@@ -4034,7 +4034,7 @@
               <a:buNone/>
             </a:pPr>
             <a:r>
-              <a:rPr lang="en-ZA" sz="1500" dirty="0">
+              <a:rPr lang="en-ZA" sz="1600" dirty="0">
                 <a:solidFill>
                   <a:srgbClr val="000000"/>
                 </a:solidFill>
@@ -4046,7 +4046,7 @@
               <a:t>    </a:t>
             </a:r>
             <a:r>
-              <a:rPr lang="en-ZA" sz="1500" dirty="0">
+              <a:rPr lang="en-ZA" sz="1600" dirty="0">
                 <a:solidFill>
                   <a:srgbClr val="0E00FF"/>
                 </a:solidFill>
@@ -4058,7 +4058,7 @@
               <a:t>if </a:t>
             </a:r>
             <a:r>
-              <a:rPr lang="en-ZA" sz="1500" dirty="0" err="1">
+              <a:rPr lang="en-ZA" sz="1600" dirty="0" err="1">
                 <a:solidFill>
                   <a:srgbClr val="000000"/>
                 </a:solidFill>
@@ -4070,7 +4070,7 @@
               <a:t>i</a:t>
             </a:r>
             <a:r>
-              <a:rPr lang="en-ZA" sz="1500" dirty="0">
+              <a:rPr lang="en-ZA" sz="1600" dirty="0">
                 <a:solidFill>
                   <a:srgbClr val="000000"/>
                 </a:solidFill>
@@ -4082,7 +4082,7 @@
               <a:t> == </a:t>
             </a:r>
             <a:r>
-              <a:rPr lang="en-ZA" sz="1500" dirty="0">
+              <a:rPr lang="en-ZA" sz="1600" dirty="0">
                 <a:solidFill>
                   <a:srgbClr val="AA04F9"/>
                 </a:solidFill>
@@ -4093,7 +4093,7 @@
               </a:rPr>
               <a:t>"apples"</a:t>
             </a:r>
-            <a:endParaRPr lang="en-ZA" sz="1500" dirty="0">
+            <a:endParaRPr lang="en-ZA" sz="1600" dirty="0">
               <a:effectLst/>
               <a:latin typeface="Consolas" panose="020B0609020204030204" pitchFamily="49" charset="0"/>
               <a:ea typeface="Times New Roman" panose="02020603050405020304" pitchFamily="18" charset="0"/>
@@ -4108,7 +4108,7 @@
               <a:buNone/>
             </a:pPr>
             <a:r>
-              <a:rPr lang="en-ZA" sz="1500" dirty="0">
+              <a:rPr lang="en-ZA" sz="1600" dirty="0">
                 <a:solidFill>
                   <a:srgbClr val="000000"/>
                 </a:solidFill>
@@ -4120,7 +4120,7 @@
               <a:t>        </a:t>
             </a:r>
             <a:r>
-              <a:rPr lang="en-ZA" sz="1500" dirty="0" err="1">
+              <a:rPr lang="en-ZA" sz="1600" dirty="0" err="1">
                 <a:solidFill>
                   <a:srgbClr val="000000"/>
                 </a:solidFill>
@@ -4132,7 +4132,7 @@
               <a:t>disp</a:t>
             </a:r>
             <a:r>
-              <a:rPr lang="en-ZA" sz="1500" dirty="0">
+              <a:rPr lang="en-ZA" sz="1600" dirty="0">
                 <a:solidFill>
                   <a:srgbClr val="000000"/>
                 </a:solidFill>
@@ -4144,7 +4144,7 @@
               <a:t>(</a:t>
             </a:r>
             <a:r>
-              <a:rPr lang="en-ZA" sz="1500" dirty="0" err="1">
+              <a:rPr lang="en-ZA" sz="1600" dirty="0" err="1">
                 <a:solidFill>
                   <a:srgbClr val="000000"/>
                 </a:solidFill>
@@ -4156,7 +4156,7 @@
               <a:t>i</a:t>
             </a:r>
             <a:r>
-              <a:rPr lang="en-ZA" sz="1500" dirty="0">
+              <a:rPr lang="en-ZA" sz="1600" dirty="0">
                 <a:solidFill>
                   <a:srgbClr val="000000"/>
                 </a:solidFill>
@@ -4167,7 +4167,7 @@
               </a:rPr>
               <a:t>)</a:t>
             </a:r>
-            <a:endParaRPr lang="en-ZA" sz="1500" dirty="0">
+            <a:endParaRPr lang="en-ZA" sz="1600" dirty="0">
               <a:effectLst/>
               <a:latin typeface="Consolas" panose="020B0609020204030204" pitchFamily="49" charset="0"/>
               <a:ea typeface="Times New Roman" panose="02020603050405020304" pitchFamily="18" charset="0"/>
@@ -4182,7 +4182,7 @@
               <a:buNone/>
             </a:pPr>
             <a:r>
-              <a:rPr lang="en-ZA" sz="1500" dirty="0">
+              <a:rPr lang="en-ZA" sz="1600" dirty="0">
                 <a:solidFill>
                   <a:srgbClr val="000000"/>
                 </a:solidFill>
@@ -4194,7 +4194,7 @@
               <a:t>    </a:t>
             </a:r>
             <a:r>
-              <a:rPr lang="en-ZA" sz="1500" dirty="0">
+              <a:rPr lang="en-ZA" sz="1600" dirty="0">
                 <a:solidFill>
                   <a:srgbClr val="0E00FF"/>
                 </a:solidFill>
@@ -4205,7 +4205,7 @@
               </a:rPr>
               <a:t>end</a:t>
             </a:r>
-            <a:endParaRPr lang="en-ZA" sz="1500" dirty="0">
+            <a:endParaRPr lang="en-ZA" sz="1600" dirty="0">
               <a:effectLst/>
               <a:latin typeface="Consolas" panose="020B0609020204030204" pitchFamily="49" charset="0"/>
               <a:ea typeface="Times New Roman" panose="02020603050405020304" pitchFamily="18" charset="0"/>
@@ -4223,7 +4223,7 @@
               <a:buNone/>
             </a:pPr>
             <a:r>
-              <a:rPr lang="en-ZA" sz="1500" dirty="0">
+              <a:rPr lang="en-ZA" sz="1600" dirty="0">
                 <a:solidFill>
                   <a:srgbClr val="0E00FF"/>
                 </a:solidFill>
@@ -4234,7 +4234,7 @@
               </a:rPr>
               <a:t>end</a:t>
             </a:r>
-            <a:endParaRPr lang="en-ZA" sz="1500" dirty="0">
+            <a:endParaRPr lang="en-ZA" sz="1600" dirty="0">
               <a:effectLst/>
               <a:latin typeface="Consolas" panose="020B0609020204030204" pitchFamily="49" charset="0"/>
               <a:ea typeface="Times New Roman" panose="02020603050405020304" pitchFamily="18" charset="0"/>
@@ -4249,7 +4249,7 @@
               <a:buNone/>
             </a:pPr>
             <a:r>
-              <a:rPr lang="en-ZA" sz="1100" dirty="0">
+              <a:rPr lang="en-ZA" sz="1200" dirty="0">
                 <a:solidFill>
                   <a:srgbClr val="404040"/>
                 </a:solidFill>
@@ -4260,7 +4260,7 @@
               </a:rPr>
               <a:t>apples</a:t>
             </a:r>
-            <a:endParaRPr lang="en-ZA" sz="1100" dirty="0">
+            <a:endParaRPr lang="en-ZA" sz="1200" dirty="0">
               <a:effectLst/>
               <a:latin typeface="Consolas" panose="020B0609020204030204" pitchFamily="49" charset="0"/>
               <a:ea typeface="Times New Roman" panose="02020603050405020304" pitchFamily="18" charset="0"/>
@@ -4275,7 +4275,7 @@
               <a:buNone/>
             </a:pPr>
             <a:r>
-              <a:rPr lang="en-ZA" sz="1100" dirty="0">
+              <a:rPr lang="en-ZA" sz="1200" dirty="0">
                 <a:solidFill>
                   <a:srgbClr val="404040"/>
                 </a:solidFill>
@@ -4286,7 +4286,7 @@
               </a:rPr>
               <a:t>apples</a:t>
             </a:r>
-            <a:endParaRPr lang="en-ZA" sz="1100" dirty="0">
+            <a:endParaRPr lang="en-ZA" sz="1200" dirty="0">
               <a:effectLst/>
               <a:latin typeface="Consolas" panose="020B0609020204030204" pitchFamily="49" charset="0"/>
               <a:ea typeface="Times New Roman" panose="02020603050405020304" pitchFamily="18" charset="0"/>
@@ -5226,8 +5226,8 @@
         </p:nvSpPr>
         <p:spPr>
           <a:xfrm>
-            <a:off x="452488" y="2410721"/>
-            <a:ext cx="8229600" cy="2376000"/>
+            <a:off x="452488" y="2692821"/>
+            <a:ext cx="8229600" cy="2628000"/>
           </a:xfrm>
           <a:prstGeom prst="rect">
             <a:avLst/>
@@ -5365,7 +5365,7 @@
               <a:buNone/>
             </a:pPr>
             <a:r>
-              <a:rPr lang="en-ZA" sz="1500" dirty="0">
+              <a:rPr lang="en-ZA" sz="1600" dirty="0">
                 <a:effectLst/>
                 <a:latin typeface="Helvetica" panose="020B0604020202020204" pitchFamily="34" charset="0"/>
                 <a:ea typeface="Times New Roman" panose="02020603050405020304" pitchFamily="18" charset="0"/>
@@ -5385,7 +5385,7 @@
               <a:buNone/>
             </a:pPr>
             <a:r>
-              <a:rPr lang="en-ZA" sz="1500" dirty="0">
+              <a:rPr lang="en-ZA" sz="1600" dirty="0">
                 <a:effectLst/>
                 <a:latin typeface="Consolas" panose="020B0609020204030204" pitchFamily="49" charset="0"/>
                 <a:ea typeface="Times New Roman" panose="02020603050405020304" pitchFamily="18" charset="0"/>
@@ -5394,7 +5394,7 @@
               <a:t>radius = 23</a:t>
             </a:r>
             <a:r>
-              <a:rPr lang="en-ZA" sz="1500" dirty="0">
+              <a:rPr lang="en-ZA" sz="1600" dirty="0">
                 <a:solidFill>
                   <a:schemeClr val="accent6">
                     <a:lumMod val="75000"/>
@@ -5407,7 +5407,7 @@
               </a:rPr>
               <a:t>% meters</a:t>
             </a:r>
-            <a:endParaRPr lang="en-ZA" sz="1500" dirty="0">
+            <a:endParaRPr lang="en-ZA" sz="1600" dirty="0">
               <a:effectLst/>
               <a:latin typeface="Consolas" panose="020B0609020204030204" pitchFamily="49" charset="0"/>
               <a:ea typeface="Times New Roman" panose="02020603050405020304" pitchFamily="18" charset="0"/>
@@ -5425,7 +5425,7 @@
               <a:buNone/>
             </a:pPr>
             <a:r>
-              <a:rPr lang="en-ZA" sz="1500" dirty="0" err="1">
+              <a:rPr lang="en-ZA" sz="1600" dirty="0" err="1">
                 <a:effectLst/>
                 <a:latin typeface="Consolas" panose="020B0609020204030204" pitchFamily="49" charset="0"/>
                 <a:ea typeface="Times New Roman" panose="02020603050405020304" pitchFamily="18" charset="0"/>
@@ -5434,7 +5434,7 @@
               <a:t>calculateType</a:t>
             </a:r>
             <a:r>
-              <a:rPr lang="en-ZA" sz="1500" dirty="0">
+              <a:rPr lang="en-ZA" sz="1600" dirty="0">
                 <a:effectLst/>
                 <a:latin typeface="Consolas" panose="020B0609020204030204" pitchFamily="49" charset="0"/>
                 <a:ea typeface="Times New Roman" panose="02020603050405020304" pitchFamily="18" charset="0"/>
@@ -5443,7 +5443,7 @@
               <a:t> = </a:t>
             </a:r>
             <a:r>
-              <a:rPr lang="en-ZA" sz="1500" dirty="0">
+              <a:rPr lang="en-ZA" sz="1600" dirty="0">
                 <a:solidFill>
                   <a:srgbClr val="A709F5"/>
                 </a:solidFill>
@@ -5466,7 +5466,7 @@
               <a:buNone/>
             </a:pPr>
             <a:r>
-              <a:rPr lang="en-ZA" sz="1500" dirty="0">
+              <a:rPr lang="en-ZA" sz="1600" dirty="0">
                 <a:solidFill>
                   <a:srgbClr val="0E00FF"/>
                 </a:solidFill>
@@ -5478,7 +5478,7 @@
               <a:t>switch</a:t>
             </a:r>
             <a:r>
-              <a:rPr lang="en-ZA" sz="1500" dirty="0">
+              <a:rPr lang="en-ZA" sz="1600" dirty="0">
                 <a:effectLst/>
                 <a:latin typeface="Consolas" panose="020B0609020204030204" pitchFamily="49" charset="0"/>
                 <a:ea typeface="Times New Roman" panose="02020603050405020304" pitchFamily="18" charset="0"/>
@@ -5487,7 +5487,7 @@
               <a:t> </a:t>
             </a:r>
             <a:r>
-              <a:rPr lang="en-ZA" sz="1500" dirty="0" err="1">
+              <a:rPr lang="en-ZA" sz="1600" dirty="0" err="1">
                 <a:effectLst/>
                 <a:latin typeface="Consolas" panose="020B0609020204030204" pitchFamily="49" charset="0"/>
                 <a:ea typeface="Times New Roman" panose="02020603050405020304" pitchFamily="18" charset="0"/>
@@ -5495,7 +5495,7 @@
               </a:rPr>
               <a:t>calculateType</a:t>
             </a:r>
-            <a:endParaRPr lang="en-ZA" sz="1500" dirty="0">
+            <a:endParaRPr lang="en-ZA" sz="1600" dirty="0">
               <a:effectLst/>
               <a:latin typeface="Consolas" panose="020B0609020204030204" pitchFamily="49" charset="0"/>
               <a:ea typeface="Times New Roman" panose="02020603050405020304" pitchFamily="18" charset="0"/>
@@ -5513,7 +5513,7 @@
               <a:buNone/>
             </a:pPr>
             <a:r>
-              <a:rPr lang="en-ZA" sz="1500" dirty="0">
+              <a:rPr lang="en-ZA" sz="1600" dirty="0">
                 <a:effectLst/>
                 <a:latin typeface="Consolas" panose="020B0609020204030204" pitchFamily="49" charset="0"/>
                 <a:ea typeface="Times New Roman" panose="02020603050405020304" pitchFamily="18" charset="0"/>
@@ -5522,7 +5522,7 @@
               <a:t>    </a:t>
             </a:r>
             <a:r>
-              <a:rPr lang="en-ZA" sz="1500" dirty="0">
+              <a:rPr lang="en-ZA" sz="1600" dirty="0">
                 <a:solidFill>
                   <a:srgbClr val="0E00FF"/>
                 </a:solidFill>
@@ -5534,7 +5534,7 @@
               <a:t>case</a:t>
             </a:r>
             <a:r>
-              <a:rPr lang="en-ZA" sz="1500" dirty="0">
+              <a:rPr lang="en-ZA" sz="1600" dirty="0">
                 <a:effectLst/>
                 <a:latin typeface="Consolas" panose="020B0609020204030204" pitchFamily="49" charset="0"/>
                 <a:ea typeface="Times New Roman" panose="02020603050405020304" pitchFamily="18" charset="0"/>
@@ -5543,7 +5543,7 @@
               <a:t> </a:t>
             </a:r>
             <a:r>
-              <a:rPr lang="en-ZA" sz="1500" dirty="0">
+              <a:rPr lang="en-ZA" sz="1600" dirty="0">
                 <a:solidFill>
                   <a:srgbClr val="A709F5"/>
                 </a:solidFill>
@@ -5566,7 +5566,7 @@
               <a:buNone/>
             </a:pPr>
             <a:r>
-              <a:rPr lang="en-ZA" sz="1500" dirty="0">
+              <a:rPr lang="en-ZA" sz="1600" dirty="0">
                 <a:effectLst/>
                 <a:latin typeface="Consolas" panose="020B0609020204030204" pitchFamily="49" charset="0"/>
                 <a:ea typeface="Times New Roman" panose="02020603050405020304" pitchFamily="18" charset="0"/>
@@ -5586,7 +5586,7 @@
               <a:buNone/>
             </a:pPr>
             <a:r>
-              <a:rPr lang="en-ZA" sz="1500" dirty="0">
+              <a:rPr lang="en-ZA" sz="1600" dirty="0">
                 <a:effectLst/>
                 <a:latin typeface="Consolas" panose="020B0609020204030204" pitchFamily="49" charset="0"/>
                 <a:ea typeface="Times New Roman" panose="02020603050405020304" pitchFamily="18" charset="0"/>
@@ -5595,7 +5595,7 @@
               <a:t>    </a:t>
             </a:r>
             <a:r>
-              <a:rPr lang="en-ZA" sz="1500" dirty="0">
+              <a:rPr lang="en-ZA" sz="1600" dirty="0">
                 <a:solidFill>
                   <a:srgbClr val="0E00FF"/>
                 </a:solidFill>
@@ -5607,7 +5607,7 @@
               <a:t>case</a:t>
             </a:r>
             <a:r>
-              <a:rPr lang="en-ZA" sz="1500" dirty="0">
+              <a:rPr lang="en-ZA" sz="1600" dirty="0">
                 <a:effectLst/>
                 <a:latin typeface="Consolas" panose="020B0609020204030204" pitchFamily="49" charset="0"/>
                 <a:ea typeface="Times New Roman" panose="02020603050405020304" pitchFamily="18" charset="0"/>
@@ -5616,7 +5616,7 @@
               <a:t> </a:t>
             </a:r>
             <a:r>
-              <a:rPr lang="en-ZA" sz="1500" dirty="0">
+              <a:rPr lang="en-ZA" sz="1600" dirty="0">
                 <a:solidFill>
                   <a:srgbClr val="A709F5"/>
                 </a:solidFill>
@@ -5639,7 +5639,7 @@
               <a:buNone/>
             </a:pPr>
             <a:r>
-              <a:rPr lang="en-ZA" sz="1500" dirty="0">
+              <a:rPr lang="en-ZA" sz="1600" dirty="0">
                 <a:effectLst/>
                 <a:latin typeface="Consolas" panose="020B0609020204030204" pitchFamily="49" charset="0"/>
                 <a:ea typeface="Times New Roman" panose="02020603050405020304" pitchFamily="18" charset="0"/>
@@ -5659,7 +5659,7 @@
               <a:buNone/>
             </a:pPr>
             <a:r>
-              <a:rPr lang="en-ZA" sz="1500" dirty="0">
+              <a:rPr lang="en-ZA" sz="1600" dirty="0">
                 <a:effectLst/>
                 <a:latin typeface="Consolas" panose="020B0609020204030204" pitchFamily="49" charset="0"/>
                 <a:ea typeface="Times New Roman" panose="02020603050405020304" pitchFamily="18" charset="0"/>
@@ -5668,7 +5668,7 @@
               <a:t>    </a:t>
             </a:r>
             <a:r>
-              <a:rPr lang="en-ZA" sz="1500" dirty="0">
+              <a:rPr lang="en-ZA" sz="1600" dirty="0">
                 <a:solidFill>
                   <a:srgbClr val="0E00FF"/>
                 </a:solidFill>
@@ -5680,7 +5680,7 @@
               <a:t>case</a:t>
             </a:r>
             <a:r>
-              <a:rPr lang="en-ZA" sz="1500" dirty="0">
+              <a:rPr lang="en-ZA" sz="1600" dirty="0">
                 <a:effectLst/>
                 <a:latin typeface="Consolas" panose="020B0609020204030204" pitchFamily="49" charset="0"/>
                 <a:ea typeface="Times New Roman" panose="02020603050405020304" pitchFamily="18" charset="0"/>
@@ -5689,7 +5689,7 @@
               <a:t> </a:t>
             </a:r>
             <a:r>
-              <a:rPr lang="en-ZA" sz="1500" dirty="0">
+              <a:rPr lang="en-ZA" sz="1600" dirty="0">
                 <a:solidFill>
                   <a:srgbClr val="A709F5"/>
                 </a:solidFill>
@@ -5712,7 +5712,7 @@
               <a:buNone/>
             </a:pPr>
             <a:r>
-              <a:rPr lang="en-ZA" sz="1500" dirty="0">
+              <a:rPr lang="en-ZA" sz="1600" dirty="0">
                 <a:effectLst/>
                 <a:latin typeface="Consolas" panose="020B0609020204030204" pitchFamily="49" charset="0"/>
                 <a:ea typeface="Times New Roman" panose="02020603050405020304" pitchFamily="18" charset="0"/>
@@ -5732,7 +5732,7 @@
               <a:buNone/>
             </a:pPr>
             <a:r>
-              <a:rPr lang="en-ZA" sz="1500" dirty="0">
+              <a:rPr lang="en-ZA" sz="1600" dirty="0">
                 <a:solidFill>
                   <a:srgbClr val="0E00FF"/>
                 </a:solidFill>
@@ -6007,8 +6007,8 @@
           </a:p>
         </p:txBody>
       </p:sp>
-      <mc:AlternateContent xmlns:mc="http://schemas.openxmlformats.org/markup-compatibility/2006" xmlns:a14="http://schemas.microsoft.com/office/drawing/2010/main">
-        <mc:Choice Requires="a14">
+      <mc:AlternateContent xmlns:mc="http://schemas.openxmlformats.org/markup-compatibility/2006">
+        <mc:Choice xmlns:a14="http://schemas.microsoft.com/office/drawing/2010/main" Requires="a14">
           <p:sp>
             <p:nvSpPr>
               <p:cNvPr id="3" name="Content Placeholder 2">
@@ -6050,7 +6050,7 @@
                   <a:buNone/>
                 </a:pPr>
                 <a:r>
-                  <a:rPr lang="en-ZA" sz="1500" b="1" dirty="0">
+                  <a:rPr lang="en-ZA" sz="1600" b="1" dirty="0">
                     <a:effectLst/>
                     <a:latin typeface="Helvetica" panose="020B0604020202020204" pitchFamily="34" charset="0"/>
                     <a:ea typeface="Times New Roman" panose="02020603050405020304" pitchFamily="18" charset="0"/>
@@ -6058,7 +6058,7 @@
                   </a:rPr>
                   <a:t>          Now Try for Yourself!</a:t>
                 </a:r>
-                <a:endParaRPr lang="en-ZA" sz="1500" b="1" dirty="0">
+                <a:endParaRPr lang="en-ZA" sz="1600" b="1" dirty="0">
                   <a:latin typeface="Helvetica" panose="020B0604020202020204" pitchFamily="34" charset="0"/>
                   <a:ea typeface="Times New Roman" panose="02020603050405020304" pitchFamily="18" charset="0"/>
                   <a:cs typeface="Times New Roman" panose="02020603050405020304" pitchFamily="18" charset="0"/>
@@ -6078,7 +6078,7 @@
                   <a:buNone/>
                 </a:pPr>
                 <a:r>
-                  <a:rPr lang="en-ZA" sz="1500" dirty="0">
+                  <a:rPr lang="en-ZA" sz="1600" dirty="0">
                     <a:effectLst/>
                     <a:latin typeface="Helvetica" panose="020B0604020202020204" pitchFamily="34" charset="0"/>
                     <a:ea typeface="Times New Roman" panose="02020603050405020304" pitchFamily="18" charset="0"/>
@@ -6102,7 +6102,7 @@
                   <a:buAutoNum type="arabicPeriod"/>
                 </a:pPr>
                 <a:r>
-                  <a:rPr lang="en-ZA" sz="1500" dirty="0">
+                  <a:rPr lang="en-ZA" sz="1600" dirty="0">
                     <a:effectLst/>
                     <a:latin typeface="Helvetica" panose="020B0604020202020204" pitchFamily="34" charset="0"/>
                     <a:ea typeface="Times New Roman" panose="02020603050405020304" pitchFamily="18" charset="0"/>
@@ -6115,7 +6115,7 @@
                     <m:sSup>
                       <m:sSupPr>
                         <m:ctrlPr>
-                          <a:rPr lang="en-ZA" sz="1500" i="1" smtClean="0">
+                          <a:rPr lang="en-ZA" sz="1600" i="1" smtClean="0">
                             <a:effectLst/>
                             <a:latin typeface="Cambria Math" panose="02040503050406030204" pitchFamily="18" charset="0"/>
                             <a:ea typeface="Times New Roman" panose="02020603050405020304" pitchFamily="18" charset="0"/>
@@ -6125,7 +6125,7 @@
                       </m:sSupPr>
                       <m:e>
                         <m:r>
-                          <a:rPr lang="en-ZA" sz="1500" b="0" i="1" smtClean="0">
+                          <a:rPr lang="en-ZA" sz="1600" b="0" i="1" smtClean="0">
                             <a:effectLst/>
                             <a:latin typeface="Cambria Math" panose="02040503050406030204" pitchFamily="18" charset="0"/>
                             <a:ea typeface="Times New Roman" panose="02020603050405020304" pitchFamily="18" charset="0"/>
@@ -6136,7 +6136,7 @@
                       </m:e>
                       <m:sup>
                         <m:r>
-                          <a:rPr lang="en-ZA" sz="1500" i="1" smtClean="0">
+                          <a:rPr lang="en-ZA" sz="1600" i="1" smtClean="0">
                             <a:effectLst/>
                             <a:latin typeface="Cambria Math" panose="02040503050406030204" pitchFamily="18" charset="0"/>
                             <a:ea typeface="Times New Roman" panose="02020603050405020304" pitchFamily="18" charset="0"/>
@@ -6148,7 +6148,7 @@
                     </m:sSup>
                   </m:oMath>
                 </a14:m>
-                <a:endParaRPr lang="en-ZA" sz="1500" dirty="0">
+                <a:endParaRPr lang="en-ZA" sz="1600" dirty="0">
                   <a:effectLst/>
                   <a:latin typeface="Helvetica" panose="020B0604020202020204" pitchFamily="34" charset="0"/>
                   <a:ea typeface="Times New Roman" panose="02020603050405020304" pitchFamily="18" charset="0"/>
@@ -6170,7 +6170,7 @@
                   <a:buAutoNum type="arabicPeriod"/>
                 </a:pPr>
                 <a:r>
-                  <a:rPr lang="en-ZA" sz="1500" dirty="0">
+                  <a:rPr lang="en-ZA" sz="1600" dirty="0">
                     <a:effectLst/>
                     <a:latin typeface="Helvetica" panose="020B0604020202020204" pitchFamily="34" charset="0"/>
                     <a:ea typeface="Times New Roman" panose="02020603050405020304" pitchFamily="18" charset="0"/>
@@ -6181,7 +6181,7 @@
                 <a14:m>
                   <m:oMath xmlns:m="http://schemas.openxmlformats.org/officeDocument/2006/math">
                     <m:r>
-                      <a:rPr lang="el-GR" sz="1500" i="1" smtClean="0">
+                      <a:rPr lang="el-GR" sz="1600" i="1" smtClean="0">
                         <a:effectLst/>
                         <a:latin typeface="Cambria Math" panose="02040503050406030204" pitchFamily="18" charset="0"/>
                         <a:ea typeface="Times New Roman" panose="02020603050405020304" pitchFamily="18" charset="0"/>
@@ -6192,7 +6192,7 @@
                     <m:sSup>
                       <m:sSupPr>
                         <m:ctrlPr>
-                          <a:rPr lang="en-ZA" sz="1500" i="1" smtClean="0">
+                          <a:rPr lang="en-ZA" sz="1600" i="1" smtClean="0">
                             <a:effectLst/>
                             <a:latin typeface="Cambria Math" panose="02040503050406030204" pitchFamily="18" charset="0"/>
                             <a:ea typeface="Times New Roman" panose="02020603050405020304" pitchFamily="18" charset="0"/>
@@ -6202,7 +6202,7 @@
                       </m:sSupPr>
                       <m:e>
                         <m:r>
-                          <a:rPr lang="en-ZA" sz="1500" i="1" smtClean="0">
+                          <a:rPr lang="en-ZA" sz="1600" i="1" smtClean="0">
                             <a:effectLst/>
                             <a:latin typeface="Cambria Math" panose="02040503050406030204" pitchFamily="18" charset="0"/>
                             <a:ea typeface="Times New Roman" panose="02020603050405020304" pitchFamily="18" charset="0"/>
@@ -6213,7 +6213,7 @@
                       </m:e>
                       <m:sup>
                         <m:r>
-                          <a:rPr lang="en-ZA" sz="1500" i="1" smtClean="0">
+                          <a:rPr lang="en-ZA" sz="1600" i="1" smtClean="0">
                             <a:effectLst/>
                             <a:latin typeface="Cambria Math" panose="02040503050406030204" pitchFamily="18" charset="0"/>
                             <a:ea typeface="Times New Roman" panose="02020603050405020304" pitchFamily="18" charset="0"/>
@@ -6225,7 +6225,7 @@
                     </m:sSup>
                   </m:oMath>
                 </a14:m>
-                <a:endParaRPr lang="en-ZA" sz="1500" dirty="0">
+                <a:endParaRPr lang="en-ZA" sz="1600" dirty="0">
                   <a:effectLst/>
                   <a:latin typeface="Helvetica" panose="020B0604020202020204" pitchFamily="34" charset="0"/>
                   <a:ea typeface="Times New Roman" panose="02020603050405020304" pitchFamily="18" charset="0"/>
@@ -6247,7 +6247,7 @@
                   <a:buAutoNum type="arabicPeriod"/>
                 </a:pPr>
                 <a:r>
-                  <a:rPr lang="en-ZA" sz="1500" dirty="0">
+                  <a:rPr lang="en-ZA" sz="1600" dirty="0">
                     <a:effectLst/>
                     <a:latin typeface="Helvetica" panose="020B0604020202020204" pitchFamily="34" charset="0"/>
                     <a:ea typeface="Times New Roman" panose="02020603050405020304" pitchFamily="18" charset="0"/>
@@ -6261,7 +6261,7 @@
                       <m:rPr>
                         <m:sty m:val="p"/>
                       </m:rPr>
-                      <a:rPr lang="en-ZA" sz="1500" b="0" i="0" smtClean="0">
+                      <a:rPr lang="en-ZA" sz="1600" b="0" i="0" smtClean="0">
                         <a:effectLst/>
                         <a:latin typeface="Cambria Math" panose="02040503050406030204" pitchFamily="18" charset="0"/>
                         <a:ea typeface="Times New Roman" panose="02020603050405020304" pitchFamily="18" charset="0"/>
@@ -6271,7 +6271,7 @@
                     </m:r>
                   </m:oMath>
                 </a14:m>
-                <a:endParaRPr lang="en-ZA" sz="1500" dirty="0">
+                <a:endParaRPr lang="en-ZA" sz="1600" dirty="0">
                   <a:effectLst/>
                   <a:latin typeface="Helvetica" panose="020B0604020202020204" pitchFamily="34" charset="0"/>
                   <a:ea typeface="Times New Roman" panose="02020603050405020304" pitchFamily="18" charset="0"/>
@@ -6292,7 +6292,7 @@
                   <a:buNone/>
                 </a:pPr>
                 <a:r>
-                  <a:rPr lang="en-ZA" sz="1500" dirty="0">
+                  <a:rPr lang="en-ZA" sz="1600" dirty="0">
                     <a:effectLst/>
                     <a:latin typeface="Helvetica" panose="020B0604020202020204" pitchFamily="34" charset="0"/>
                     <a:ea typeface="Times New Roman" panose="02020603050405020304" pitchFamily="18" charset="0"/>
@@ -6304,7 +6304,7 @@
             </p:txBody>
           </p:sp>
         </mc:Choice>
-        <mc:Fallback xmlns="">
+        <mc:Fallback>
           <p:sp>
             <p:nvSpPr>
               <p:cNvPr id="3" name="Content Placeholder 2">
@@ -6329,7 +6329,7 @@
               <a:blipFill>
                 <a:blip r:embed="rId2"/>
                 <a:stretch>
-                  <a:fillRect l="-300" t="-238" r="-225"/>
+                  <a:fillRect l="-375" t="-358" r="-375"/>
                 </a:stretch>
               </a:blipFill>
             </p:spPr>
@@ -6552,8 +6552,8 @@
         </p:nvSpPr>
         <p:spPr>
           <a:xfrm>
-            <a:off x="423913" y="2124971"/>
-            <a:ext cx="8229600" cy="3348000"/>
+            <a:off x="423913" y="2212519"/>
+            <a:ext cx="8229600" cy="3528000"/>
           </a:xfrm>
           <a:prstGeom prst="rect">
             <a:avLst/>
@@ -6691,7 +6691,7 @@
               <a:buNone/>
             </a:pPr>
             <a:r>
-              <a:rPr lang="en-ZA" sz="1500" b="1" dirty="0">
+              <a:rPr lang="en-ZA" sz="1600" b="1" dirty="0">
                 <a:effectLst/>
                 <a:latin typeface="Helvetica" panose="020B0604020202020204" pitchFamily="34" charset="0"/>
                 <a:ea typeface="Times New Roman" panose="02020603050405020304" pitchFamily="18" charset="0"/>
@@ -6699,7 +6699,7 @@
               </a:rPr>
               <a:t>          Now Try for Yourself!</a:t>
             </a:r>
-            <a:endParaRPr lang="en-ZA" sz="1500" b="1" dirty="0">
+            <a:endParaRPr lang="en-ZA" sz="1600" b="1" dirty="0">
               <a:latin typeface="Helvetica" panose="020B0604020202020204" pitchFamily="34" charset="0"/>
               <a:ea typeface="Times New Roman" panose="02020603050405020304" pitchFamily="18" charset="0"/>
               <a:cs typeface="Times New Roman" panose="02020603050405020304" pitchFamily="18" charset="0"/>
@@ -6719,7 +6719,7 @@
               <a:buNone/>
             </a:pPr>
             <a:r>
-              <a:rPr lang="en-ZA" sz="1500" dirty="0">
+              <a:rPr lang="en-ZA" sz="1600" dirty="0">
                 <a:effectLst/>
                 <a:latin typeface="Helvetica" panose="020B0604020202020204" pitchFamily="34" charset="0"/>
                 <a:ea typeface="Times New Roman" panose="02020603050405020304" pitchFamily="18" charset="0"/>
@@ -6739,7 +6739,7 @@
               <a:buNone/>
             </a:pPr>
             <a:r>
-              <a:rPr lang="en-ZA" sz="1500" dirty="0" err="1">
+              <a:rPr lang="en-ZA" sz="1600" dirty="0" err="1">
                 <a:effectLst/>
                 <a:latin typeface="Consolas" panose="020B0609020204030204" pitchFamily="49" charset="0"/>
                 <a:ea typeface="Times New Roman" panose="02020603050405020304" pitchFamily="18" charset="0"/>
@@ -6748,7 +6748,7 @@
               <a:t>sideLength</a:t>
             </a:r>
             <a:r>
-              <a:rPr lang="en-ZA" sz="1500" dirty="0">
+              <a:rPr lang="en-ZA" sz="1600" dirty="0">
                 <a:effectLst/>
                 <a:latin typeface="Consolas" panose="020B0609020204030204" pitchFamily="49" charset="0"/>
                 <a:ea typeface="Times New Roman" panose="02020603050405020304" pitchFamily="18" charset="0"/>
@@ -6757,7 +6757,7 @@
               <a:t> = 6; </a:t>
             </a:r>
             <a:r>
-              <a:rPr lang="en-ZA" sz="1500" dirty="0">
+              <a:rPr lang="en-ZA" sz="1600" dirty="0">
                 <a:solidFill>
                   <a:schemeClr val="accent6">
                     <a:lumMod val="75000"/>
@@ -6770,7 +6770,7 @@
               </a:rPr>
               <a:t>% meters</a:t>
             </a:r>
-            <a:endParaRPr lang="en-ZA" sz="1500" dirty="0">
+            <a:endParaRPr lang="en-ZA" sz="1600" dirty="0">
               <a:effectLst/>
               <a:latin typeface="Consolas" panose="020B0609020204030204" pitchFamily="49" charset="0"/>
               <a:ea typeface="Times New Roman" panose="02020603050405020304" pitchFamily="18" charset="0"/>
@@ -6788,7 +6788,7 @@
               <a:buNone/>
             </a:pPr>
             <a:r>
-              <a:rPr lang="en-ZA" sz="1500" dirty="0">
+              <a:rPr lang="en-ZA" sz="1600" dirty="0">
                 <a:effectLst/>
                 <a:latin typeface="Consolas" panose="020B0609020204030204" pitchFamily="49" charset="0"/>
                 <a:ea typeface="Times New Roman" panose="02020603050405020304" pitchFamily="18" charset="0"/>
@@ -6808,7 +6808,7 @@
               <a:buNone/>
             </a:pPr>
             <a:r>
-              <a:rPr lang="en-ZA" sz="1500" dirty="0">
+              <a:rPr lang="en-ZA" sz="1600" dirty="0">
                 <a:effectLst/>
                 <a:latin typeface="Consolas" panose="020B0609020204030204" pitchFamily="49" charset="0"/>
                 <a:ea typeface="Times New Roman" panose="02020603050405020304" pitchFamily="18" charset="0"/>
@@ -6828,7 +6828,7 @@
               <a:buNone/>
             </a:pPr>
             <a:r>
-              <a:rPr lang="en-ZA" sz="1500" dirty="0">
+              <a:rPr lang="en-ZA" sz="1600" dirty="0">
                 <a:effectLst/>
                 <a:latin typeface="Consolas" panose="020B0609020204030204" pitchFamily="49" charset="0"/>
                 <a:ea typeface="Times New Roman" panose="02020603050405020304" pitchFamily="18" charset="0"/>
@@ -6847,7 +6847,7 @@
               </a:spcBef>
               <a:buNone/>
             </a:pPr>
-            <a:endParaRPr lang="en-ZA" sz="1500" dirty="0">
+            <a:endParaRPr lang="en-ZA" sz="1600" dirty="0">
               <a:effectLst/>
               <a:latin typeface="Consolas" panose="020B0609020204030204" pitchFamily="49" charset="0"/>
               <a:ea typeface="Times New Roman" panose="02020603050405020304" pitchFamily="18" charset="0"/>
@@ -6865,7 +6865,7 @@
               <a:buNone/>
             </a:pPr>
             <a:r>
-              <a:rPr lang="en-ZA" sz="1500" dirty="0" err="1">
+              <a:rPr lang="en-ZA" sz="1600" dirty="0" err="1">
                 <a:effectLst/>
                 <a:latin typeface="Consolas" panose="020B0609020204030204" pitchFamily="49" charset="0"/>
                 <a:ea typeface="Times New Roman" panose="02020603050405020304" pitchFamily="18" charset="0"/>
@@ -6874,7 +6874,7 @@
               <a:t>areaType</a:t>
             </a:r>
             <a:r>
-              <a:rPr lang="en-ZA" sz="1500" dirty="0">
+              <a:rPr lang="en-ZA" sz="1600" dirty="0">
                 <a:effectLst/>
                 <a:latin typeface="Consolas" panose="020B0609020204030204" pitchFamily="49" charset="0"/>
                 <a:ea typeface="Times New Roman" panose="02020603050405020304" pitchFamily="18" charset="0"/>
@@ -6883,7 +6883,7 @@
               <a:t> = </a:t>
             </a:r>
             <a:r>
-              <a:rPr lang="en-ZA" sz="1500" dirty="0">
+              <a:rPr lang="en-ZA" sz="1600" dirty="0">
                 <a:solidFill>
                   <a:srgbClr val="A709F5"/>
                 </a:solidFill>
@@ -6895,7 +6895,7 @@
               <a:t>'Square'</a:t>
             </a:r>
             <a:r>
-              <a:rPr lang="en-ZA" sz="1500" dirty="0">
+              <a:rPr lang="en-ZA" sz="1600" dirty="0">
                 <a:effectLst/>
                 <a:latin typeface="Consolas" panose="020B0609020204030204" pitchFamily="49" charset="0"/>
                 <a:ea typeface="Times New Roman" panose="02020603050405020304" pitchFamily="18" charset="0"/>
@@ -6915,7 +6915,7 @@
               <a:buNone/>
             </a:pPr>
             <a:r>
-              <a:rPr lang="en-ZA" sz="1500" dirty="0">
+              <a:rPr lang="en-ZA" sz="1600" dirty="0">
                 <a:solidFill>
                   <a:srgbClr val="0E00FF"/>
                 </a:solidFill>
@@ -6927,7 +6927,7 @@
               <a:t>switch</a:t>
             </a:r>
             <a:r>
-              <a:rPr lang="en-ZA" sz="1500" dirty="0">
+              <a:rPr lang="en-ZA" sz="1600" dirty="0">
                 <a:effectLst/>
                 <a:latin typeface="Consolas" panose="020B0609020204030204" pitchFamily="49" charset="0"/>
                 <a:ea typeface="Times New Roman" panose="02020603050405020304" pitchFamily="18" charset="0"/>
@@ -6936,7 +6936,7 @@
               <a:t> </a:t>
             </a:r>
             <a:r>
-              <a:rPr lang="en-ZA" sz="1500" dirty="0" err="1">
+              <a:rPr lang="en-ZA" sz="1600" dirty="0" err="1">
                 <a:effectLst/>
                 <a:latin typeface="Consolas" panose="020B0609020204030204" pitchFamily="49" charset="0"/>
                 <a:ea typeface="Times New Roman" panose="02020603050405020304" pitchFamily="18" charset="0"/>
@@ -6944,7 +6944,7 @@
               </a:rPr>
               <a:t>areaType</a:t>
             </a:r>
-            <a:endParaRPr lang="en-ZA" sz="1500" dirty="0">
+            <a:endParaRPr lang="en-ZA" sz="1600" dirty="0">
               <a:effectLst/>
               <a:latin typeface="Consolas" panose="020B0609020204030204" pitchFamily="49" charset="0"/>
               <a:ea typeface="Times New Roman" panose="02020603050405020304" pitchFamily="18" charset="0"/>
@@ -6962,7 +6962,7 @@
               <a:buNone/>
             </a:pPr>
             <a:r>
-              <a:rPr lang="en-ZA" sz="1500" dirty="0">
+              <a:rPr lang="en-ZA" sz="1600" dirty="0">
                 <a:effectLst/>
                 <a:latin typeface="Consolas" panose="020B0609020204030204" pitchFamily="49" charset="0"/>
                 <a:ea typeface="Times New Roman" panose="02020603050405020304" pitchFamily="18" charset="0"/>
@@ -6971,7 +6971,7 @@
               <a:t>    </a:t>
             </a:r>
             <a:r>
-              <a:rPr lang="en-ZA" sz="1500" dirty="0">
+              <a:rPr lang="en-ZA" sz="1600" dirty="0">
                 <a:solidFill>
                   <a:srgbClr val="0E00FF"/>
                 </a:solidFill>
@@ -6983,7 +6983,7 @@
               <a:t>case</a:t>
             </a:r>
             <a:r>
-              <a:rPr lang="en-ZA" sz="1500" dirty="0">
+              <a:rPr lang="en-ZA" sz="1600" dirty="0">
                 <a:effectLst/>
                 <a:latin typeface="Consolas" panose="020B0609020204030204" pitchFamily="49" charset="0"/>
                 <a:ea typeface="Times New Roman" panose="02020603050405020304" pitchFamily="18" charset="0"/>
@@ -6992,7 +6992,7 @@
               <a:t> </a:t>
             </a:r>
             <a:r>
-              <a:rPr lang="en-ZA" sz="1500" dirty="0">
+              <a:rPr lang="en-ZA" sz="1600" dirty="0">
                 <a:solidFill>
                   <a:srgbClr val="A709F5"/>
                 </a:solidFill>
@@ -7015,7 +7015,7 @@
               <a:buNone/>
             </a:pPr>
             <a:r>
-              <a:rPr lang="en-ZA" sz="1500" dirty="0">
+              <a:rPr lang="en-ZA" sz="1600" dirty="0">
                 <a:effectLst/>
                 <a:latin typeface="Consolas" panose="020B0609020204030204" pitchFamily="49" charset="0"/>
                 <a:ea typeface="Times New Roman" panose="02020603050405020304" pitchFamily="18" charset="0"/>
@@ -7035,7 +7035,7 @@
               <a:buNone/>
             </a:pPr>
             <a:r>
-              <a:rPr lang="en-ZA" sz="1500" dirty="0">
+              <a:rPr lang="en-ZA" sz="1600" dirty="0">
                 <a:effectLst/>
                 <a:latin typeface="Consolas" panose="020B0609020204030204" pitchFamily="49" charset="0"/>
                 <a:ea typeface="Times New Roman" panose="02020603050405020304" pitchFamily="18" charset="0"/>
@@ -7044,7 +7044,7 @@
               <a:t>    </a:t>
             </a:r>
             <a:r>
-              <a:rPr lang="en-ZA" sz="1500" dirty="0">
+              <a:rPr lang="en-ZA" sz="1600" dirty="0">
                 <a:solidFill>
                   <a:srgbClr val="0E00FF"/>
                 </a:solidFill>
@@ -7056,7 +7056,7 @@
               <a:t>case</a:t>
             </a:r>
             <a:r>
-              <a:rPr lang="en-ZA" sz="1500" dirty="0">
+              <a:rPr lang="en-ZA" sz="1600" dirty="0">
                 <a:effectLst/>
                 <a:latin typeface="Consolas" panose="020B0609020204030204" pitchFamily="49" charset="0"/>
                 <a:ea typeface="Times New Roman" panose="02020603050405020304" pitchFamily="18" charset="0"/>
@@ -7065,7 +7065,7 @@
               <a:t> </a:t>
             </a:r>
             <a:r>
-              <a:rPr lang="en-ZA" sz="1500" dirty="0">
+              <a:rPr lang="en-ZA" sz="1600" dirty="0">
                 <a:solidFill>
                   <a:srgbClr val="A709F5"/>
                 </a:solidFill>
@@ -7088,7 +7088,7 @@
               <a:buNone/>
             </a:pPr>
             <a:r>
-              <a:rPr lang="en-ZA" sz="1500" dirty="0">
+              <a:rPr lang="en-ZA" sz="1600" dirty="0">
                 <a:effectLst/>
                 <a:latin typeface="Consolas" panose="020B0609020204030204" pitchFamily="49" charset="0"/>
                 <a:ea typeface="Times New Roman" panose="02020603050405020304" pitchFamily="18" charset="0"/>
@@ -7108,7 +7108,7 @@
               <a:buNone/>
             </a:pPr>
             <a:r>
-              <a:rPr lang="en-ZA" sz="1500" dirty="0">
+              <a:rPr lang="en-ZA" sz="1600" dirty="0">
                 <a:effectLst/>
                 <a:latin typeface="Consolas" panose="020B0609020204030204" pitchFamily="49" charset="0"/>
                 <a:ea typeface="Times New Roman" panose="02020603050405020304" pitchFamily="18" charset="0"/>
@@ -7117,7 +7117,7 @@
               <a:t>    </a:t>
             </a:r>
             <a:r>
-              <a:rPr lang="en-ZA" sz="1500" dirty="0">
+              <a:rPr lang="en-ZA" sz="1600" dirty="0">
                 <a:solidFill>
                   <a:srgbClr val="0E00FF"/>
                 </a:solidFill>
@@ -7129,7 +7129,7 @@
               <a:t>case</a:t>
             </a:r>
             <a:r>
-              <a:rPr lang="en-ZA" sz="1500" dirty="0">
+              <a:rPr lang="en-ZA" sz="1600" dirty="0">
                 <a:effectLst/>
                 <a:latin typeface="Consolas" panose="020B0609020204030204" pitchFamily="49" charset="0"/>
                 <a:ea typeface="Times New Roman" panose="02020603050405020304" pitchFamily="18" charset="0"/>
@@ -7138,7 +7138,7 @@
               <a:t> </a:t>
             </a:r>
             <a:r>
-              <a:rPr lang="en-ZA" sz="1500" dirty="0">
+              <a:rPr lang="en-ZA" sz="1600" dirty="0">
                 <a:solidFill>
                   <a:srgbClr val="A709F5"/>
                 </a:solidFill>
@@ -7161,7 +7161,7 @@
               <a:buNone/>
             </a:pPr>
             <a:r>
-              <a:rPr lang="en-ZA" sz="1500" dirty="0">
+              <a:rPr lang="en-ZA" sz="1600" dirty="0">
                 <a:effectLst/>
                 <a:latin typeface="Consolas" panose="020B0609020204030204" pitchFamily="49" charset="0"/>
                 <a:ea typeface="Times New Roman" panose="02020603050405020304" pitchFamily="18" charset="0"/>
@@ -7181,7 +7181,7 @@
               <a:buNone/>
             </a:pPr>
             <a:r>
-              <a:rPr lang="en-ZA" sz="1500" dirty="0">
+              <a:rPr lang="en-ZA" sz="1600" dirty="0">
                 <a:solidFill>
                   <a:srgbClr val="0E00FF"/>
                 </a:solidFill>
@@ -7204,7 +7204,7 @@
               <a:buNone/>
             </a:pPr>
             <a:r>
-              <a:rPr lang="en-ZA" sz="1500" dirty="0">
+              <a:rPr lang="en-ZA" sz="1600" dirty="0">
                 <a:effectLst/>
                 <a:latin typeface="Consolas" panose="020B0609020204030204" pitchFamily="49" charset="0"/>
                 <a:ea typeface="Times New Roman" panose="02020603050405020304" pitchFamily="18" charset="0"/>
@@ -7227,7 +7227,7 @@
               </a:tabLst>
             </a:pPr>
             <a:r>
-              <a:rPr lang="en-ZA" sz="1500" dirty="0">
+              <a:rPr lang="en-ZA" sz="1600" dirty="0">
                 <a:latin typeface="Consolas" panose="020B0609020204030204" pitchFamily="49" charset="0"/>
                 <a:ea typeface="Times New Roman" panose="02020603050405020304" pitchFamily="18" charset="0"/>
                 <a:cs typeface="Times New Roman" panose="02020603050405020304" pitchFamily="18" charset="0"/>
@@ -7235,7 +7235,7 @@
               <a:t>	</a:t>
             </a:r>
             <a:r>
-              <a:rPr lang="en-ZA" sz="1200" dirty="0">
+              <a:rPr lang="en-ZA" sz="1400" dirty="0">
                 <a:effectLst/>
                 <a:latin typeface="Consolas" panose="020B0609020204030204" pitchFamily="49" charset="0"/>
                 <a:ea typeface="Times New Roman" panose="02020603050405020304" pitchFamily="18" charset="0"/>
@@ -7243,7 +7243,7 @@
               </a:rPr>
               <a:t>area = 36</a:t>
             </a:r>
-            <a:endParaRPr lang="en-ZA" sz="1500" dirty="0">
+            <a:endParaRPr lang="en-ZA" sz="1600" dirty="0">
               <a:effectLst/>
               <a:latin typeface="Consolas" panose="020B0609020204030204" pitchFamily="49" charset="0"/>
               <a:ea typeface="Times New Roman" panose="02020603050405020304" pitchFamily="18" charset="0"/>
@@ -7491,7 +7491,7 @@
               <a:buNone/>
             </a:pPr>
             <a:r>
-              <a:rPr lang="en-ZA" sz="1500" dirty="0">
+              <a:rPr lang="en-ZA" sz="1600" dirty="0">
                 <a:effectLst/>
                 <a:latin typeface="Helvetica" panose="020B0604020202020204" pitchFamily="34" charset="0"/>
                 <a:ea typeface="Times New Roman" panose="02020603050405020304" pitchFamily="18" charset="0"/>
@@ -7511,7 +7511,7 @@
               <a:buNone/>
             </a:pPr>
             <a:r>
-              <a:rPr lang="en-ZA" sz="1500" dirty="0">
+              <a:rPr lang="en-ZA" sz="1600" dirty="0">
                 <a:solidFill>
                   <a:srgbClr val="0E00FF"/>
                 </a:solidFill>
@@ -7523,7 +7523,7 @@
               <a:t>try</a:t>
             </a:r>
             <a:r>
-              <a:rPr lang="en-ZA" sz="1500" dirty="0">
+              <a:rPr lang="en-ZA" sz="1600" dirty="0">
                 <a:effectLst/>
                 <a:latin typeface="Consolas" panose="020B0609020204030204" pitchFamily="49" charset="0"/>
                 <a:ea typeface="Times New Roman" panose="02020603050405020304" pitchFamily="18" charset="0"/>
@@ -7543,7 +7543,7 @@
               <a:buNone/>
             </a:pPr>
             <a:r>
-              <a:rPr lang="en-ZA" sz="1500" dirty="0">
+              <a:rPr lang="en-ZA" sz="1600" dirty="0">
                 <a:effectLst/>
                 <a:latin typeface="Consolas" panose="020B0609020204030204" pitchFamily="49" charset="0"/>
                 <a:ea typeface="Times New Roman" panose="02020603050405020304" pitchFamily="18" charset="0"/>
@@ -7563,7 +7563,7 @@
               <a:buNone/>
             </a:pPr>
             <a:r>
-              <a:rPr lang="en-ZA" sz="1500" dirty="0">
+              <a:rPr lang="en-ZA" sz="1600" dirty="0">
                 <a:solidFill>
                   <a:srgbClr val="0E00FF"/>
                 </a:solidFill>
@@ -7586,7 +7586,7 @@
               <a:buNone/>
             </a:pPr>
             <a:r>
-              <a:rPr lang="en-ZA" sz="1500" dirty="0">
+              <a:rPr lang="en-ZA" sz="1600" dirty="0">
                 <a:effectLst/>
                 <a:latin typeface="Consolas" panose="020B0609020204030204" pitchFamily="49" charset="0"/>
                 <a:ea typeface="Times New Roman" panose="02020603050405020304" pitchFamily="18" charset="0"/>
@@ -7606,7 +7606,7 @@
               <a:buNone/>
             </a:pPr>
             <a:r>
-              <a:rPr lang="en-ZA" sz="1500" dirty="0">
+              <a:rPr lang="en-ZA" sz="1600" dirty="0">
                 <a:solidFill>
                   <a:srgbClr val="0E00FF"/>
                 </a:solidFill>
@@ -7632,7 +7632,7 @@
               <a:buNone/>
             </a:pPr>
             <a:r>
-              <a:rPr lang="en-ZA" sz="1500" dirty="0">
+              <a:rPr lang="en-ZA" sz="1600" dirty="0">
                 <a:effectLst/>
                 <a:latin typeface="Helvetica" panose="020B0604020202020204" pitchFamily="34" charset="0"/>
                 <a:ea typeface="Times New Roman" panose="02020603050405020304" pitchFamily="18" charset="0"/>
@@ -7777,7 +7777,7 @@
         </p:nvSpPr>
         <p:spPr>
           <a:xfrm>
-            <a:off x="452488" y="2324996"/>
+            <a:off x="452488" y="2354180"/>
             <a:ext cx="8229600" cy="1427854"/>
           </a:xfrm>
           <a:prstGeom prst="rect">
@@ -7910,7 +7910,7 @@
               <a:buNone/>
             </a:pPr>
             <a:r>
-              <a:rPr lang="en-ZA" sz="1500" dirty="0">
+              <a:rPr lang="en-ZA" sz="1600" dirty="0">
                 <a:effectLst/>
                 <a:latin typeface="Helvetica" panose="020B0604020202020204" pitchFamily="34" charset="0"/>
                 <a:ea typeface="Times New Roman" panose="02020603050405020304" pitchFamily="18" charset="0"/>
@@ -7919,7 +7919,7 @@
               <a:t>Consider a non-existent function called "</a:t>
             </a:r>
             <a:r>
-              <a:rPr lang="en-ZA" sz="1500" dirty="0" err="1">
+              <a:rPr lang="en-ZA" sz="1600" dirty="0" err="1">
                 <a:effectLst/>
                 <a:latin typeface="Helvetica" panose="020B0604020202020204" pitchFamily="34" charset="0"/>
                 <a:ea typeface="Times New Roman" panose="02020603050405020304" pitchFamily="18" charset="0"/>
@@ -7928,7 +7928,7 @@
               <a:t>notAFunction</a:t>
             </a:r>
             <a:r>
-              <a:rPr lang="en-ZA" sz="1500" dirty="0">
+              <a:rPr lang="en-ZA" sz="1600" dirty="0">
                 <a:effectLst/>
                 <a:latin typeface="Helvetica" panose="020B0604020202020204" pitchFamily="34" charset="0"/>
                 <a:ea typeface="Times New Roman" panose="02020603050405020304" pitchFamily="18" charset="0"/>
@@ -7950,7 +7950,7 @@
               </a:spcAft>
               <a:buNone/>
             </a:pPr>
-            <a:endParaRPr lang="en-ZA" sz="1500" dirty="0">
+            <a:endParaRPr lang="en-ZA" sz="1600" dirty="0">
               <a:effectLst/>
               <a:latin typeface="Helvetica" panose="020B0604020202020204" pitchFamily="34" charset="0"/>
               <a:ea typeface="Times New Roman" panose="02020603050405020304" pitchFamily="18" charset="0"/>
@@ -7968,7 +7968,7 @@
               <a:buNone/>
             </a:pPr>
             <a:r>
-              <a:rPr lang="en-ZA" sz="1500" dirty="0">
+              <a:rPr lang="en-ZA" sz="1600" dirty="0">
                 <a:solidFill>
                   <a:srgbClr val="0E00FF"/>
                 </a:solidFill>
@@ -7980,7 +7980,7 @@
               <a:t>try</a:t>
             </a:r>
             <a:r>
-              <a:rPr lang="en-ZA" sz="1500" dirty="0">
+              <a:rPr lang="en-ZA" sz="1600" dirty="0">
                 <a:solidFill>
                   <a:schemeClr val="accent5">
                     <a:lumMod val="75000"/>
@@ -8005,7 +8005,7 @@
               <a:buNone/>
             </a:pPr>
             <a:r>
-              <a:rPr lang="en-ZA" sz="1500" dirty="0">
+              <a:rPr lang="en-ZA" sz="1600" dirty="0">
                 <a:effectLst/>
                 <a:latin typeface="Consolas" panose="020B0609020204030204" pitchFamily="49" charset="0"/>
                 <a:ea typeface="Times New Roman" panose="02020603050405020304" pitchFamily="18" charset="0"/>
@@ -8014,7 +8014,7 @@
               <a:t>    a = </a:t>
             </a:r>
             <a:r>
-              <a:rPr lang="en-ZA" sz="1500" dirty="0" err="1">
+              <a:rPr lang="en-ZA" sz="1600" dirty="0" err="1">
                 <a:effectLst/>
                 <a:latin typeface="Consolas" panose="020B0609020204030204" pitchFamily="49" charset="0"/>
                 <a:ea typeface="Times New Roman" panose="02020603050405020304" pitchFamily="18" charset="0"/>
@@ -8023,7 +8023,7 @@
               <a:t>notAFunction</a:t>
             </a:r>
             <a:r>
-              <a:rPr lang="en-ZA" sz="1500" dirty="0">
+              <a:rPr lang="en-ZA" sz="1600" dirty="0">
                 <a:effectLst/>
                 <a:latin typeface="Consolas" panose="020B0609020204030204" pitchFamily="49" charset="0"/>
                 <a:ea typeface="Times New Roman" panose="02020603050405020304" pitchFamily="18" charset="0"/>
@@ -8043,7 +8043,7 @@
               <a:buNone/>
             </a:pPr>
             <a:r>
-              <a:rPr lang="en-ZA" sz="1500" dirty="0">
+              <a:rPr lang="en-ZA" sz="1600" dirty="0">
                 <a:solidFill>
                   <a:srgbClr val="0E00FF"/>
                 </a:solidFill>
@@ -8066,7 +8066,7 @@
               <a:buNone/>
             </a:pPr>
             <a:r>
-              <a:rPr lang="en-ZA" sz="1500" dirty="0">
+              <a:rPr lang="en-ZA" sz="1600" dirty="0">
                 <a:effectLst/>
                 <a:latin typeface="Consolas" panose="020B0609020204030204" pitchFamily="49" charset="0"/>
                 <a:ea typeface="Times New Roman" panose="02020603050405020304" pitchFamily="18" charset="0"/>
@@ -8086,7 +8086,7 @@
               <a:buNone/>
             </a:pPr>
             <a:r>
-              <a:rPr lang="en-ZA" sz="1500" dirty="0">
+              <a:rPr lang="en-ZA" sz="1600" dirty="0">
                 <a:solidFill>
                   <a:srgbClr val="0E00FF"/>
                 </a:solidFill>
@@ -8234,7 +8234,7 @@
         </p:nvSpPr>
         <p:spPr>
           <a:xfrm>
-            <a:off x="423913" y="2848871"/>
+            <a:off x="423913" y="2926695"/>
             <a:ext cx="8229600" cy="1523104"/>
           </a:xfrm>
           <a:prstGeom prst="rect">
@@ -8367,7 +8367,7 @@
               <a:buNone/>
             </a:pPr>
             <a:r>
-              <a:rPr lang="en-ZA" sz="1500" b="1" dirty="0">
+              <a:rPr lang="en-ZA" sz="1600" b="1" dirty="0">
                 <a:effectLst/>
                 <a:latin typeface="Helvetica" panose="020B0604020202020204" pitchFamily="34" charset="0"/>
                 <a:ea typeface="Times New Roman" panose="02020603050405020304" pitchFamily="18" charset="0"/>
@@ -8375,7 +8375,7 @@
               </a:rPr>
               <a:t>          Now Try for Yourself!</a:t>
             </a:r>
-            <a:endParaRPr lang="en-ZA" sz="1500" b="1" dirty="0">
+            <a:endParaRPr lang="en-ZA" sz="1600" b="1" dirty="0">
               <a:latin typeface="Helvetica" panose="020B0604020202020204" pitchFamily="34" charset="0"/>
               <a:ea typeface="Times New Roman" panose="02020603050405020304" pitchFamily="18" charset="0"/>
               <a:cs typeface="Times New Roman" panose="02020603050405020304" pitchFamily="18" charset="0"/>
@@ -8395,7 +8395,7 @@
               <a:buNone/>
             </a:pPr>
             <a:r>
-              <a:rPr lang="en-ZA" sz="1500" dirty="0">
+              <a:rPr lang="en-ZA" sz="1600" dirty="0">
                 <a:effectLst/>
                 <a:latin typeface="Helvetica" panose="020B0604020202020204" pitchFamily="34" charset="0"/>
                 <a:ea typeface="Times New Roman" panose="02020603050405020304" pitchFamily="18" charset="0"/>
@@ -8404,7 +8404,7 @@
               <a:t>Consider an empty function called "</a:t>
             </a:r>
             <a:r>
-              <a:rPr lang="en-ZA" sz="1500" dirty="0" err="1">
+              <a:rPr lang="en-ZA" sz="1600" dirty="0" err="1">
                 <a:effectLst/>
                 <a:latin typeface="Helvetica" panose="020B0604020202020204" pitchFamily="34" charset="0"/>
                 <a:ea typeface="Times New Roman" panose="02020603050405020304" pitchFamily="18" charset="0"/>
@@ -8413,7 +8413,7 @@
               <a:t>emptyFunction</a:t>
             </a:r>
             <a:r>
-              <a:rPr lang="en-ZA" sz="1500" dirty="0">
+              <a:rPr lang="en-ZA" sz="1600" dirty="0">
                 <a:effectLst/>
                 <a:latin typeface="Helvetica" panose="020B0604020202020204" pitchFamily="34" charset="0"/>
                 <a:ea typeface="Times New Roman" panose="02020603050405020304" pitchFamily="18" charset="0"/>
@@ -8422,7 +8422,7 @@
               <a:t>" that takes in 2 numerical inputs and has a single output  (</a:t>
             </a:r>
             <a:r>
-              <a:rPr lang="en-ZA" sz="1500" dirty="0" err="1">
+              <a:rPr lang="en-ZA" sz="1600" dirty="0" err="1">
                 <a:effectLst/>
                 <a:latin typeface="Helvetica" panose="020B0604020202020204" pitchFamily="34" charset="0"/>
                 <a:ea typeface="Times New Roman" panose="02020603050405020304" pitchFamily="18" charset="0"/>
@@ -8431,7 +8431,7 @@
               <a:t>i.e</a:t>
             </a:r>
             <a:r>
-              <a:rPr lang="en-ZA" sz="1500" dirty="0">
+              <a:rPr lang="en-ZA" sz="1600" dirty="0">
                 <a:effectLst/>
                 <a:latin typeface="Helvetica" panose="020B0604020202020204" pitchFamily="34" charset="0"/>
                 <a:ea typeface="Times New Roman" panose="02020603050405020304" pitchFamily="18" charset="0"/>
@@ -8440,7 +8440,7 @@
               <a:t> </a:t>
             </a:r>
             <a:r>
-              <a:rPr lang="en-ZA" sz="1500" b="1" dirty="0">
+              <a:rPr lang="en-ZA" sz="1600" b="1" dirty="0">
                 <a:effectLst/>
                 <a:latin typeface="Helvetica" panose="020B0604020202020204" pitchFamily="34" charset="0"/>
                 <a:ea typeface="Times New Roman" panose="02020603050405020304" pitchFamily="18" charset="0"/>
@@ -8449,7 +8449,7 @@
               <a:t>function c = </a:t>
             </a:r>
             <a:r>
-              <a:rPr lang="en-ZA" sz="1500" b="1" dirty="0" err="1">
+              <a:rPr lang="en-ZA" sz="1600" b="1" dirty="0" err="1">
                 <a:effectLst/>
                 <a:latin typeface="Helvetica" panose="020B0604020202020204" pitchFamily="34" charset="0"/>
                 <a:ea typeface="Times New Roman" panose="02020603050405020304" pitchFamily="18" charset="0"/>
@@ -8458,7 +8458,7 @@
               <a:t>emptyFunction</a:t>
             </a:r>
             <a:r>
-              <a:rPr lang="en-ZA" sz="1500" b="1" dirty="0">
+              <a:rPr lang="en-ZA" sz="1600" b="1" dirty="0">
                 <a:effectLst/>
                 <a:latin typeface="Helvetica" panose="020B0604020202020204" pitchFamily="34" charset="0"/>
                 <a:ea typeface="Times New Roman" panose="02020603050405020304" pitchFamily="18" charset="0"/>
@@ -8467,7 +8467,7 @@
               <a:t>(</a:t>
             </a:r>
             <a:r>
-              <a:rPr lang="en-ZA" sz="1500" b="1" dirty="0" err="1">
+              <a:rPr lang="en-ZA" sz="1600" b="1" dirty="0" err="1">
                 <a:effectLst/>
                 <a:latin typeface="Helvetica" panose="020B0604020202020204" pitchFamily="34" charset="0"/>
                 <a:ea typeface="Times New Roman" panose="02020603050405020304" pitchFamily="18" charset="0"/>
@@ -8476,7 +8476,7 @@
               <a:t>a,b</a:t>
             </a:r>
             <a:r>
-              <a:rPr lang="en-ZA" sz="1500" b="1" dirty="0">
+              <a:rPr lang="en-ZA" sz="1600" b="1" dirty="0">
                 <a:effectLst/>
                 <a:latin typeface="Helvetica" panose="020B0604020202020204" pitchFamily="34" charset="0"/>
                 <a:ea typeface="Times New Roman" panose="02020603050405020304" pitchFamily="18" charset="0"/>
@@ -8485,7 +8485,7 @@
               <a:t>)</a:t>
             </a:r>
             <a:r>
-              <a:rPr lang="en-ZA" sz="1500" dirty="0">
+              <a:rPr lang="en-ZA" sz="1600" dirty="0">
                 <a:effectLst/>
                 <a:latin typeface="Helvetica" panose="020B0604020202020204" pitchFamily="34" charset="0"/>
                 <a:ea typeface="Times New Roman" panose="02020603050405020304" pitchFamily="18" charset="0"/>
@@ -8505,7 +8505,7 @@
               <a:buNone/>
             </a:pPr>
             <a:r>
-              <a:rPr lang="en-ZA" sz="1500" dirty="0">
+              <a:rPr lang="en-ZA" sz="1600" dirty="0">
                 <a:solidFill>
                   <a:srgbClr val="0E00FF"/>
                 </a:solidFill>
@@ -8517,7 +8517,7 @@
               <a:t>try</a:t>
             </a:r>
             <a:r>
-              <a:rPr lang="en-ZA" sz="1500" dirty="0">
+              <a:rPr lang="en-ZA" sz="1600" dirty="0">
                 <a:solidFill>
                   <a:schemeClr val="accent5">
                     <a:lumMod val="75000"/>
@@ -8545,7 +8545,7 @@
               <a:buNone/>
             </a:pPr>
             <a:r>
-              <a:rPr lang="en-ZA" sz="1500" dirty="0">
+              <a:rPr lang="en-ZA" sz="1600" dirty="0">
                 <a:effectLst/>
                 <a:latin typeface="Consolas" panose="020B0609020204030204" pitchFamily="49" charset="0"/>
                 <a:ea typeface="Times New Roman" panose="02020603050405020304" pitchFamily="18" charset="0"/>
@@ -8554,7 +8554,7 @@
               <a:t>     </a:t>
             </a:r>
             <a:r>
-              <a:rPr lang="en-ZA" sz="1500" dirty="0">
+              <a:rPr lang="en-ZA" sz="1600" dirty="0">
                 <a:solidFill>
                   <a:srgbClr val="000000"/>
                 </a:solidFill>
@@ -8566,7 +8566,7 @@
               <a:t>b = </a:t>
             </a:r>
             <a:r>
-              <a:rPr lang="en-ZA" sz="1500" dirty="0" err="1">
+              <a:rPr lang="en-ZA" sz="1600" dirty="0" err="1">
                 <a:solidFill>
                   <a:srgbClr val="000000"/>
                 </a:solidFill>
@@ -8578,7 +8578,7 @@
               <a:t>emptyFunction</a:t>
             </a:r>
             <a:r>
-              <a:rPr lang="en-ZA" sz="1500" dirty="0">
+              <a:rPr lang="en-ZA" sz="1600" dirty="0">
                 <a:solidFill>
                   <a:srgbClr val="000000"/>
                 </a:solidFill>
@@ -8589,7 +8589,7 @@
               </a:rPr>
               <a:t>(3,4)</a:t>
             </a:r>
-            <a:endParaRPr lang="en-ZA" sz="1500" dirty="0">
+            <a:endParaRPr lang="en-ZA" sz="1600" dirty="0">
               <a:effectLst/>
               <a:latin typeface="Consolas" panose="020B0609020204030204" pitchFamily="49" charset="0"/>
               <a:ea typeface="Times New Roman" panose="02020603050405020304" pitchFamily="18" charset="0"/>
@@ -8607,7 +8607,7 @@
               <a:buNone/>
             </a:pPr>
             <a:r>
-              <a:rPr lang="en-ZA" sz="1500" dirty="0">
+              <a:rPr lang="en-ZA" sz="1600" dirty="0">
                 <a:solidFill>
                   <a:srgbClr val="0E00FF"/>
                 </a:solidFill>
@@ -8633,7 +8633,7 @@
               <a:buNone/>
             </a:pPr>
             <a:r>
-              <a:rPr lang="en-ZA" sz="1500" dirty="0">
+              <a:rPr lang="en-ZA" sz="1600" dirty="0">
                 <a:effectLst/>
                 <a:latin typeface="Consolas" panose="020B0609020204030204" pitchFamily="49" charset="0"/>
                 <a:ea typeface="Times New Roman" panose="02020603050405020304" pitchFamily="18" charset="0"/>
@@ -8642,7 +8642,7 @@
               <a:t>     </a:t>
             </a:r>
             <a:r>
-              <a:rPr lang="en-ZA" sz="1500" dirty="0" err="1">
+              <a:rPr lang="en-ZA" sz="1600" dirty="0" err="1">
                 <a:solidFill>
                   <a:srgbClr val="000000"/>
                 </a:solidFill>
@@ -8654,7 +8654,7 @@
               <a:t>disp</a:t>
             </a:r>
             <a:r>
-              <a:rPr lang="en-ZA" sz="1500" dirty="0">
+              <a:rPr lang="en-ZA" sz="1600" dirty="0">
                 <a:solidFill>
                   <a:srgbClr val="000000"/>
                 </a:solidFill>
@@ -8666,7 +8666,7 @@
               <a:t>(</a:t>
             </a:r>
             <a:r>
-              <a:rPr lang="en-ZA" sz="1500" dirty="0">
+              <a:rPr lang="en-ZA" sz="1600" dirty="0">
                 <a:solidFill>
                   <a:srgbClr val="AA04F9"/>
                 </a:solidFill>
@@ -8678,7 +8678,7 @@
               <a:t>"There is no function named </a:t>
             </a:r>
             <a:r>
-              <a:rPr lang="en-ZA" sz="1500" dirty="0" err="1">
+              <a:rPr lang="en-ZA" sz="1600" dirty="0" err="1">
                 <a:solidFill>
                   <a:srgbClr val="AA04F9"/>
                 </a:solidFill>
@@ -8690,7 +8690,7 @@
               <a:t>emptyFunction</a:t>
             </a:r>
             <a:r>
-              <a:rPr lang="en-ZA" sz="1500" dirty="0">
+              <a:rPr lang="en-ZA" sz="1600" dirty="0">
                 <a:solidFill>
                   <a:srgbClr val="AA04F9"/>
                 </a:solidFill>
@@ -8702,7 +8702,7 @@
               <a:t>"</a:t>
             </a:r>
             <a:r>
-              <a:rPr lang="en-ZA" sz="1500" dirty="0">
+              <a:rPr lang="en-ZA" sz="1600" dirty="0">
                 <a:solidFill>
                   <a:srgbClr val="000000"/>
                 </a:solidFill>
@@ -8713,7 +8713,7 @@
               </a:rPr>
               <a:t>)</a:t>
             </a:r>
-            <a:endParaRPr lang="en-ZA" sz="1500" dirty="0">
+            <a:endParaRPr lang="en-ZA" sz="1600" dirty="0">
               <a:effectLst/>
               <a:latin typeface="Consolas" panose="020B0609020204030204" pitchFamily="49" charset="0"/>
               <a:ea typeface="Times New Roman" panose="02020603050405020304" pitchFamily="18" charset="0"/>
@@ -8731,7 +8731,7 @@
               <a:buNone/>
             </a:pPr>
             <a:r>
-              <a:rPr lang="en-ZA" sz="1500" dirty="0">
+              <a:rPr lang="en-ZA" sz="1600" dirty="0">
                 <a:solidFill>
                   <a:srgbClr val="0E00FF"/>
                 </a:solidFill>
@@ -8754,7 +8754,7 @@
               </a:tabLst>
             </a:pPr>
             <a:r>
-              <a:rPr lang="en-ZA" sz="1200" dirty="0">
+              <a:rPr lang="en-ZA" sz="1400" dirty="0">
                 <a:solidFill>
                   <a:srgbClr val="404040"/>
                 </a:solidFill>
@@ -8766,7 +8766,7 @@
               <a:t>	There is no function named </a:t>
             </a:r>
             <a:r>
-              <a:rPr lang="en-ZA" sz="1200" dirty="0" err="1">
+              <a:rPr lang="en-ZA" sz="1400" dirty="0" err="1">
                 <a:solidFill>
                   <a:srgbClr val="404040"/>
                 </a:solidFill>
@@ -8777,7 +8777,7 @@
               </a:rPr>
               <a:t>emptyFunction</a:t>
             </a:r>
-            <a:endParaRPr lang="en-ZA" sz="1200" dirty="0">
+            <a:endParaRPr lang="en-ZA" sz="1400" dirty="0">
               <a:effectLst/>
               <a:latin typeface="Helvetica" panose="020B0604020202020204" pitchFamily="34" charset="0"/>
               <a:ea typeface="Times New Roman" panose="02020603050405020304" pitchFamily="18" charset="0"/>
@@ -9025,7 +9025,7 @@
               <a:buNone/>
             </a:pPr>
             <a:r>
-              <a:rPr lang="en-ZA" sz="1500" dirty="0">
+              <a:rPr lang="en-ZA" sz="1600" dirty="0">
                 <a:effectLst/>
                 <a:latin typeface="Helvetica" panose="020B0604020202020204" pitchFamily="34" charset="0"/>
                 <a:ea typeface="Times New Roman" panose="02020603050405020304" pitchFamily="18" charset="0"/>
@@ -9033,7 +9033,7 @@
               </a:rPr>
               <a:t>In summary, the figure below shows the general flow required to complete a set of tasks in an algorithm. This flow chart is used to show the logic of executing each section in an algorithm. The more complex an algorithm gets, the more branches you will see on the flow chart. Flow charts are great for ensuring efficient programming.</a:t>
             </a:r>
-            <a:endParaRPr lang="en-ZA" sz="1500" dirty="0">
+            <a:endParaRPr lang="en-ZA" sz="1600" dirty="0">
               <a:effectLst/>
               <a:latin typeface="Consolas" panose="020B0609020204030204" pitchFamily="49" charset="0"/>
               <a:ea typeface="Times New Roman" panose="02020603050405020304" pitchFamily="18" charset="0"/>
@@ -9287,7 +9287,7 @@
               <a:buNone/>
             </a:pPr>
             <a:r>
-              <a:rPr lang="en-GB" sz="1500" dirty="0">
+              <a:rPr lang="en-GB" sz="1600" dirty="0">
                 <a:effectLst/>
                 <a:latin typeface="Helvetica" panose="020B0604020202020204" pitchFamily="34" charset="0"/>
                 <a:ea typeface="Times New Roman" panose="02020603050405020304" pitchFamily="18" charset="0"/>
@@ -9295,7 +9295,7 @@
               </a:rPr>
               <a:t>This we learnt about: </a:t>
             </a:r>
-            <a:endParaRPr lang="en-ZA" sz="1500" dirty="0">
+            <a:endParaRPr lang="en-ZA" sz="1600" dirty="0">
               <a:effectLst/>
               <a:latin typeface="Helvetica" panose="020B0604020202020204" pitchFamily="34" charset="0"/>
               <a:ea typeface="Times New Roman" panose="02020603050405020304" pitchFamily="18" charset="0"/>
@@ -9314,7 +9314,7 @@
               </a:tabLst>
             </a:pPr>
             <a:r>
-              <a:rPr lang="en-ZA" sz="1500" dirty="0">
+              <a:rPr lang="en-ZA" sz="1600" dirty="0">
                 <a:effectLst/>
                 <a:latin typeface="Helvetica" panose="020B0604020202020204" pitchFamily="34" charset="0"/>
                 <a:ea typeface="Times New Roman" panose="02020603050405020304" pitchFamily="18" charset="0"/>
@@ -9335,7 +9335,7 @@
               </a:tabLst>
             </a:pPr>
             <a:r>
-              <a:rPr lang="en-ZA" sz="1500" dirty="0">
+              <a:rPr lang="en-ZA" sz="1600" dirty="0">
                 <a:effectLst/>
                 <a:latin typeface="Helvetica" panose="020B0604020202020204" pitchFamily="34" charset="0"/>
                 <a:ea typeface="Times New Roman" panose="02020603050405020304" pitchFamily="18" charset="0"/>
@@ -9356,7 +9356,7 @@
               </a:tabLst>
             </a:pPr>
             <a:r>
-              <a:rPr lang="en-ZA" sz="1500" dirty="0">
+              <a:rPr lang="en-ZA" sz="1600" dirty="0">
                 <a:effectLst/>
                 <a:latin typeface="Helvetica" panose="020B0604020202020204" pitchFamily="34" charset="0"/>
                 <a:ea typeface="Times New Roman" panose="02020603050405020304" pitchFamily="18" charset="0"/>
@@ -9377,7 +9377,7 @@
               </a:tabLst>
             </a:pPr>
             <a:r>
-              <a:rPr lang="en-ZA" sz="1500" dirty="0">
+              <a:rPr lang="en-ZA" sz="1600" dirty="0">
                 <a:effectLst/>
                 <a:latin typeface="Helvetica" panose="020B0604020202020204" pitchFamily="34" charset="0"/>
                 <a:ea typeface="Times New Roman" panose="02020603050405020304" pitchFamily="18" charset="0"/>
@@ -9386,7 +9386,7 @@
               <a:t>Vectorization can be used to replace loops where each element in an object (</a:t>
             </a:r>
             <a:r>
-              <a:rPr lang="en-ZA" sz="1500" dirty="0" err="1">
+              <a:rPr lang="en-ZA" sz="1600" dirty="0" err="1">
                 <a:effectLst/>
                 <a:latin typeface="Helvetica" panose="020B0604020202020204" pitchFamily="34" charset="0"/>
                 <a:ea typeface="Times New Roman" panose="02020603050405020304" pitchFamily="18" charset="0"/>
@@ -9395,7 +9395,7 @@
               <a:t>i.e</a:t>
             </a:r>
             <a:r>
-              <a:rPr lang="en-ZA" sz="1500" dirty="0">
+              <a:rPr lang="en-ZA" sz="1600" dirty="0">
                 <a:effectLst/>
                 <a:latin typeface="Helvetica" panose="020B0604020202020204" pitchFamily="34" charset="0"/>
                 <a:ea typeface="Times New Roman" panose="02020603050405020304" pitchFamily="18" charset="0"/>
@@ -9416,7 +9416,7 @@
               </a:tabLst>
             </a:pPr>
             <a:r>
-              <a:rPr lang="en-ZA" sz="1500" dirty="0">
+              <a:rPr lang="en-ZA" sz="1600" dirty="0">
                 <a:effectLst/>
                 <a:latin typeface="Helvetica" panose="020B0604020202020204" pitchFamily="34" charset="0"/>
                 <a:ea typeface="Times New Roman" panose="02020603050405020304" pitchFamily="18" charset="0"/>
@@ -10216,7 +10216,7 @@
         </p:spPr>
         <p:txBody>
           <a:bodyPr>
-            <a:normAutofit lnSpcReduction="10000"/>
+            <a:normAutofit/>
           </a:bodyPr>
           <a:lstStyle/>
           <a:p>
@@ -10403,111 +10403,6 @@
               <a:buNone/>
             </a:pPr>
             <a:endParaRPr lang="en-GB" sz="1800" b="1" i="1" dirty="0">
-              <a:effectLst/>
-              <a:latin typeface="Helvetica" panose="020B0604020202020204" pitchFamily="34" charset="0"/>
-              <a:ea typeface="Times New Roman" panose="02020603050405020304" pitchFamily="18" charset="0"/>
-              <a:cs typeface="Times New Roman" panose="02020603050405020304" pitchFamily="18" charset="0"/>
-            </a:endParaRPr>
-          </a:p>
-          <a:p>
-            <a:pPr marL="0" indent="0">
-              <a:lnSpc>
-                <a:spcPct val="107000"/>
-              </a:lnSpc>
-              <a:spcBef>
-                <a:spcPts val="1050"/>
-              </a:spcBef>
-              <a:spcAft>
-                <a:spcPts val="1050"/>
-              </a:spcAft>
-              <a:buNone/>
-            </a:pPr>
-            <a:endParaRPr lang="en-GB" sz="1800" b="1" i="1" dirty="0">
-              <a:latin typeface="Helvetica" panose="020B0604020202020204" pitchFamily="34" charset="0"/>
-              <a:ea typeface="Times New Roman" panose="02020603050405020304" pitchFamily="18" charset="0"/>
-              <a:cs typeface="Times New Roman" panose="02020603050405020304" pitchFamily="18" charset="0"/>
-            </a:endParaRPr>
-          </a:p>
-          <a:p>
-            <a:pPr marL="0" indent="0">
-              <a:lnSpc>
-                <a:spcPct val="107000"/>
-              </a:lnSpc>
-              <a:spcBef>
-                <a:spcPts val="1050"/>
-              </a:spcBef>
-              <a:spcAft>
-                <a:spcPts val="1050"/>
-              </a:spcAft>
-              <a:buNone/>
-            </a:pPr>
-            <a:endParaRPr lang="en-GB" sz="1800" b="1" i="1" dirty="0">
-              <a:effectLst/>
-              <a:latin typeface="Helvetica" panose="020B0604020202020204" pitchFamily="34" charset="0"/>
-              <a:ea typeface="Times New Roman" panose="02020603050405020304" pitchFamily="18" charset="0"/>
-              <a:cs typeface="Times New Roman" panose="02020603050405020304" pitchFamily="18" charset="0"/>
-            </a:endParaRPr>
-          </a:p>
-          <a:p>
-            <a:pPr marL="0" indent="0">
-              <a:lnSpc>
-                <a:spcPct val="107000"/>
-              </a:lnSpc>
-              <a:spcBef>
-                <a:spcPts val="1050"/>
-              </a:spcBef>
-              <a:spcAft>
-                <a:spcPts val="1050"/>
-              </a:spcAft>
-              <a:buNone/>
-            </a:pPr>
-            <a:endParaRPr lang="en-GB" sz="1800" b="1" i="1" dirty="0">
-              <a:latin typeface="Helvetica" panose="020B0604020202020204" pitchFamily="34" charset="0"/>
-              <a:ea typeface="Times New Roman" panose="02020603050405020304" pitchFamily="18" charset="0"/>
-              <a:cs typeface="Times New Roman" panose="02020603050405020304" pitchFamily="18" charset="0"/>
-            </a:endParaRPr>
-          </a:p>
-          <a:p>
-            <a:pPr marL="0" indent="0">
-              <a:lnSpc>
-                <a:spcPct val="107000"/>
-              </a:lnSpc>
-              <a:spcBef>
-                <a:spcPts val="1050"/>
-              </a:spcBef>
-              <a:spcAft>
-                <a:spcPts val="1050"/>
-              </a:spcAft>
-              <a:buNone/>
-            </a:pPr>
-            <a:r>
-              <a:rPr lang="en-GB" sz="1800" b="1" i="1" dirty="0">
-                <a:effectLst/>
-                <a:latin typeface="Helvetica" panose="020B0604020202020204" pitchFamily="34" charset="0"/>
-                <a:ea typeface="Times New Roman" panose="02020603050405020304" pitchFamily="18" charset="0"/>
-                <a:cs typeface="Times New Roman" panose="02020603050405020304" pitchFamily="18" charset="0"/>
-              </a:rPr>
-              <a:t>Copyright 2022 The MathWorks, Inc. &amp; Opti-</a:t>
-            </a:r>
-            <a:r>
-              <a:rPr lang="en-GB" sz="1800" b="1" i="1" dirty="0" err="1">
-                <a:effectLst/>
-                <a:latin typeface="Helvetica" panose="020B0604020202020204" pitchFamily="34" charset="0"/>
-                <a:ea typeface="Times New Roman" panose="02020603050405020304" pitchFamily="18" charset="0"/>
-                <a:cs typeface="Times New Roman" panose="02020603050405020304" pitchFamily="18" charset="0"/>
-              </a:rPr>
-              <a:t>Num</a:t>
-            </a:r>
-            <a:r>
-              <a:rPr lang="en-GB" sz="1800" b="1" i="1" dirty="0">
-                <a:effectLst/>
-                <a:latin typeface="Helvetica" panose="020B0604020202020204" pitchFamily="34" charset="0"/>
-                <a:ea typeface="Times New Roman" panose="02020603050405020304" pitchFamily="18" charset="0"/>
-                <a:cs typeface="Times New Roman" panose="02020603050405020304" pitchFamily="18" charset="0"/>
-              </a:rPr>
-              <a:t> Solutions (Pty) Ltd.</a:t>
-            </a:r>
-            <a:endParaRPr lang="en-ZA" sz="1800" dirty="0">
               <a:effectLst/>
               <a:latin typeface="Helvetica" panose="020B0604020202020204" pitchFamily="34" charset="0"/>
               <a:ea typeface="Times New Roman" panose="02020603050405020304" pitchFamily="18" charset="0"/>
@@ -10768,15 +10663,185 @@
               </a:rPr>
               <a:t>Week_3_Part_2_Control_Flow_Structures.mlx</a:t>
             </a:r>
-            <a:endParaRPr kumimoji="0" lang="en-ZA" altLang="en-US" sz="1600" b="0" i="0" u="none" strike="noStrike" cap="none" normalizeH="0" baseline="0" dirty="0">
-              <a:ln>
-                <a:noFill/>
-              </a:ln>
-              <a:solidFill>
-                <a:schemeClr val="tx1"/>
-              </a:solidFill>
+            <a:endParaRPr lang="en-ZA" sz="1600" dirty="0">
               <a:effectLst/>
-              <a:latin typeface="Arial" panose="020B0604020202020204" pitchFamily="34" charset="0"/>
+              <a:latin typeface="Helvetica" panose="020B0604020202020204" pitchFamily="34" charset="0"/>
+              <a:ea typeface="Times New Roman" panose="02020603050405020304" pitchFamily="18" charset="0"/>
+              <a:cs typeface="Times New Roman" panose="02020603050405020304" pitchFamily="18" charset="0"/>
+            </a:endParaRPr>
+          </a:p>
+          <a:p>
+            <a:pPr marL="0" indent="0">
+              <a:lnSpc>
+                <a:spcPct val="107000"/>
+              </a:lnSpc>
+              <a:spcBef>
+                <a:spcPts val="1050"/>
+              </a:spcBef>
+              <a:spcAft>
+                <a:spcPts val="1050"/>
+              </a:spcAft>
+              <a:buNone/>
+            </a:pPr>
+            <a:endParaRPr lang="en-GB" sz="1800" b="1" i="1" dirty="0">
+              <a:effectLst/>
+              <a:latin typeface="Helvetica" panose="020B0604020202020204" pitchFamily="34" charset="0"/>
+              <a:ea typeface="Times New Roman" panose="02020603050405020304" pitchFamily="18" charset="0"/>
+              <a:cs typeface="Times New Roman" panose="02020603050405020304" pitchFamily="18" charset="0"/>
+            </a:endParaRPr>
+          </a:p>
+          <a:p>
+            <a:pPr marL="0" indent="0">
+              <a:lnSpc>
+                <a:spcPct val="107000"/>
+              </a:lnSpc>
+              <a:spcBef>
+                <a:spcPts val="1050"/>
+              </a:spcBef>
+              <a:spcAft>
+                <a:spcPts val="1050"/>
+              </a:spcAft>
+              <a:buNone/>
+            </a:pPr>
+            <a:endParaRPr lang="en-GB" sz="1800" b="1" i="1" dirty="0">
+              <a:latin typeface="Helvetica" panose="020B0604020202020204" pitchFamily="34" charset="0"/>
+              <a:ea typeface="Times New Roman" panose="02020603050405020304" pitchFamily="18" charset="0"/>
+              <a:cs typeface="Times New Roman" panose="02020603050405020304" pitchFamily="18" charset="0"/>
+            </a:endParaRPr>
+          </a:p>
+          <a:p>
+            <a:pPr marL="0" indent="0">
+              <a:lnSpc>
+                <a:spcPct val="107000"/>
+              </a:lnSpc>
+              <a:spcBef>
+                <a:spcPts val="1050"/>
+              </a:spcBef>
+              <a:spcAft>
+                <a:spcPts val="1050"/>
+              </a:spcAft>
+              <a:buNone/>
+            </a:pPr>
+            <a:endParaRPr lang="en-GB" sz="1800" b="1" i="1" dirty="0">
+              <a:effectLst/>
+              <a:latin typeface="Helvetica" panose="020B0604020202020204" pitchFamily="34" charset="0"/>
+              <a:ea typeface="Times New Roman" panose="02020603050405020304" pitchFamily="18" charset="0"/>
+              <a:cs typeface="Times New Roman" panose="02020603050405020304" pitchFamily="18" charset="0"/>
+            </a:endParaRPr>
+          </a:p>
+          <a:p>
+            <a:pPr marL="0" indent="0">
+              <a:lnSpc>
+                <a:spcPct val="107000"/>
+              </a:lnSpc>
+              <a:spcBef>
+                <a:spcPts val="1050"/>
+              </a:spcBef>
+              <a:spcAft>
+                <a:spcPts val="1050"/>
+              </a:spcAft>
+              <a:buNone/>
+            </a:pPr>
+            <a:endParaRPr lang="en-GB" sz="1800" b="1" i="1" dirty="0">
+              <a:latin typeface="Helvetica" panose="020B0604020202020204" pitchFamily="34" charset="0"/>
+              <a:ea typeface="Times New Roman" panose="02020603050405020304" pitchFamily="18" charset="0"/>
+              <a:cs typeface="Times New Roman" panose="02020603050405020304" pitchFamily="18" charset="0"/>
+            </a:endParaRPr>
+          </a:p>
+          <a:p>
+            <a:pPr marL="0" indent="0">
+              <a:lnSpc>
+                <a:spcPct val="107000"/>
+              </a:lnSpc>
+              <a:spcBef>
+                <a:spcPts val="1050"/>
+              </a:spcBef>
+              <a:spcAft>
+                <a:spcPts val="1050"/>
+              </a:spcAft>
+              <a:buNone/>
+            </a:pPr>
+            <a:endParaRPr lang="en-GB" sz="1800" b="1" i="1" dirty="0">
+              <a:effectLst/>
+              <a:latin typeface="Helvetica" panose="020B0604020202020204" pitchFamily="34" charset="0"/>
+              <a:ea typeface="Times New Roman" panose="02020603050405020304" pitchFamily="18" charset="0"/>
+              <a:cs typeface="Times New Roman" panose="02020603050405020304" pitchFamily="18" charset="0"/>
+            </a:endParaRPr>
+          </a:p>
+          <a:p>
+            <a:pPr marL="0" indent="0">
+              <a:lnSpc>
+                <a:spcPct val="107000"/>
+              </a:lnSpc>
+              <a:spcBef>
+                <a:spcPts val="1050"/>
+              </a:spcBef>
+              <a:spcAft>
+                <a:spcPts val="1050"/>
+              </a:spcAft>
+              <a:buNone/>
+            </a:pPr>
+            <a:endParaRPr lang="en-GB" sz="1800" b="1" i="1" dirty="0">
+              <a:effectLst/>
+              <a:latin typeface="Helvetica" panose="020B0604020202020204" pitchFamily="34" charset="0"/>
+              <a:ea typeface="Times New Roman" panose="02020603050405020304" pitchFamily="18" charset="0"/>
+              <a:cs typeface="Times New Roman" panose="02020603050405020304" pitchFamily="18" charset="0"/>
+            </a:endParaRPr>
+          </a:p>
+          <a:p>
+            <a:pPr marL="0" indent="0">
+              <a:lnSpc>
+                <a:spcPct val="107000"/>
+              </a:lnSpc>
+              <a:spcBef>
+                <a:spcPts val="1050"/>
+              </a:spcBef>
+              <a:spcAft>
+                <a:spcPts val="1050"/>
+              </a:spcAft>
+              <a:buNone/>
+            </a:pPr>
+            <a:r>
+              <a:rPr lang="en-GB" sz="1600" b="1" i="1" dirty="0">
+                <a:effectLst/>
+                <a:latin typeface="Helvetica" panose="020B0604020202020204" pitchFamily="34" charset="0"/>
+                <a:ea typeface="Times New Roman" panose="02020603050405020304" pitchFamily="18" charset="0"/>
+                <a:cs typeface="Times New Roman" panose="02020603050405020304" pitchFamily="18" charset="0"/>
+              </a:rPr>
+              <a:t>Copyright 2022 The MathWorks, Inc. &amp; Opti-</a:t>
+            </a:r>
+            <a:r>
+              <a:rPr lang="en-GB" sz="1600" b="1" i="1" dirty="0" err="1">
+                <a:effectLst/>
+                <a:latin typeface="Helvetica" panose="020B0604020202020204" pitchFamily="34" charset="0"/>
+                <a:ea typeface="Times New Roman" panose="02020603050405020304" pitchFamily="18" charset="0"/>
+                <a:cs typeface="Times New Roman" panose="02020603050405020304" pitchFamily="18" charset="0"/>
+              </a:rPr>
+              <a:t>Num</a:t>
+            </a:r>
+            <a:r>
+              <a:rPr lang="en-GB" sz="1600" b="1" i="1" dirty="0">
+                <a:effectLst/>
+                <a:latin typeface="Helvetica" panose="020B0604020202020204" pitchFamily="34" charset="0"/>
+                <a:ea typeface="Times New Roman" panose="02020603050405020304" pitchFamily="18" charset="0"/>
+                <a:cs typeface="Times New Roman" panose="02020603050405020304" pitchFamily="18" charset="0"/>
+              </a:rPr>
+              <a:t> Solutions (Pty) </a:t>
+            </a:r>
+            <a:r>
+              <a:rPr lang="en-GB" sz="1600" b="1" i="1">
+                <a:effectLst/>
+                <a:latin typeface="Helvetica" panose="020B0604020202020204" pitchFamily="34" charset="0"/>
+                <a:ea typeface="Times New Roman" panose="02020603050405020304" pitchFamily="18" charset="0"/>
+                <a:cs typeface="Times New Roman" panose="02020603050405020304" pitchFamily="18" charset="0"/>
+              </a:rPr>
+              <a:t>Ltd.</a:t>
+            </a:r>
+            <a:endParaRPr lang="en-ZA" sz="1600" dirty="0">
+              <a:effectLst/>
+              <a:latin typeface="Helvetica" panose="020B0604020202020204" pitchFamily="34" charset="0"/>
+              <a:ea typeface="Times New Roman" panose="02020603050405020304" pitchFamily="18" charset="0"/>
+              <a:cs typeface="Times New Roman" panose="02020603050405020304" pitchFamily="18" charset="0"/>
             </a:endParaRPr>
           </a:p>
         </p:txBody>
@@ -11036,7 +11101,7 @@
               <a:buNone/>
             </a:pPr>
             <a:r>
-              <a:rPr lang="en-ZA" sz="1800" dirty="0">
+              <a:rPr lang="en-ZA" sz="1600" dirty="0">
                 <a:effectLst/>
                 <a:latin typeface="Helvetica" panose="020B0604020202020204" pitchFamily="34" charset="0"/>
                 <a:ea typeface="Times New Roman" panose="02020603050405020304" pitchFamily="18" charset="0"/>
@@ -11057,7 +11122,7 @@
               </a:tabLst>
             </a:pPr>
             <a:r>
-              <a:rPr lang="en-ZA" sz="1800" dirty="0">
+              <a:rPr lang="en-ZA" sz="1600" dirty="0">
                 <a:effectLst/>
                 <a:latin typeface="Helvetica" panose="020B0604020202020204" pitchFamily="34" charset="0"/>
                 <a:ea typeface="Times New Roman" panose="02020603050405020304" pitchFamily="18" charset="0"/>
@@ -11078,7 +11143,7 @@
               </a:tabLst>
             </a:pPr>
             <a:r>
-              <a:rPr lang="en-ZA" sz="1800" dirty="0">
+              <a:rPr lang="en-ZA" sz="1600" dirty="0">
                 <a:effectLst/>
                 <a:latin typeface="Helvetica" panose="020B0604020202020204" pitchFamily="34" charset="0"/>
                 <a:ea typeface="Times New Roman" panose="02020603050405020304" pitchFamily="18" charset="0"/>
@@ -11099,7 +11164,7 @@
               </a:tabLst>
             </a:pPr>
             <a:r>
-              <a:rPr lang="en-ZA" sz="1800" dirty="0">
+              <a:rPr lang="en-ZA" sz="1600" dirty="0">
                 <a:effectLst/>
                 <a:latin typeface="Helvetica" panose="020B0604020202020204" pitchFamily="34" charset="0"/>
                 <a:ea typeface="Times New Roman" panose="02020603050405020304" pitchFamily="18" charset="0"/>
@@ -11120,7 +11185,7 @@
               </a:tabLst>
             </a:pPr>
             <a:r>
-              <a:rPr lang="en-ZA" sz="1800" dirty="0">
+              <a:rPr lang="en-ZA" sz="1600" dirty="0">
                 <a:effectLst/>
                 <a:latin typeface="Helvetica" panose="020B0604020202020204" pitchFamily="34" charset="0"/>
                 <a:ea typeface="Times New Roman" panose="02020603050405020304" pitchFamily="18" charset="0"/>
@@ -11129,7 +11194,7 @@
               <a:t> </a:t>
             </a:r>
             <a:r>
-              <a:rPr lang="en-ZA" sz="1800" dirty="0" err="1">
+              <a:rPr lang="en-ZA" sz="1600" dirty="0" err="1">
                 <a:effectLst/>
                 <a:latin typeface="Helvetica" panose="020B0604020202020204" pitchFamily="34" charset="0"/>
                 <a:ea typeface="Times New Roman" panose="02020603050405020304" pitchFamily="18" charset="0"/>
@@ -11138,7 +11203,7 @@
               <a:t>Vecorization</a:t>
             </a:r>
             <a:r>
-              <a:rPr lang="en-ZA" sz="1800" dirty="0">
+              <a:rPr lang="en-ZA" sz="1600" dirty="0">
                 <a:effectLst/>
                 <a:latin typeface="Helvetica" panose="020B0604020202020204" pitchFamily="34" charset="0"/>
                 <a:ea typeface="Times New Roman" panose="02020603050405020304" pitchFamily="18" charset="0"/>
@@ -11147,7 +11212,7 @@
               <a:t> can be used to replace loops where each element in an object (</a:t>
             </a:r>
             <a:r>
-              <a:rPr lang="en-ZA" sz="1800" dirty="0" err="1">
+              <a:rPr lang="en-ZA" sz="1600" dirty="0" err="1">
                 <a:effectLst/>
                 <a:latin typeface="Helvetica" panose="020B0604020202020204" pitchFamily="34" charset="0"/>
                 <a:ea typeface="Times New Roman" panose="02020603050405020304" pitchFamily="18" charset="0"/>
@@ -11156,7 +11221,7 @@
               <a:t>i.e</a:t>
             </a:r>
             <a:r>
-              <a:rPr lang="en-ZA" sz="1800" dirty="0">
+              <a:rPr lang="en-ZA" sz="1600" dirty="0">
                 <a:effectLst/>
                 <a:latin typeface="Helvetica" panose="020B0604020202020204" pitchFamily="34" charset="0"/>
                 <a:ea typeface="Times New Roman" panose="02020603050405020304" pitchFamily="18" charset="0"/>
@@ -11422,7 +11487,7 @@
               <a:buNone/>
             </a:pPr>
             <a:r>
-              <a:rPr lang="en-ZA" sz="1500" dirty="0">
+              <a:rPr lang="en-ZA" sz="1600" dirty="0">
                 <a:effectLst/>
                 <a:latin typeface="Helvetica" panose="020B0604020202020204" pitchFamily="34" charset="0"/>
                 <a:ea typeface="Times New Roman" panose="02020603050405020304" pitchFamily="18" charset="0"/>
@@ -11686,7 +11751,7 @@
               <a:tabLst/>
             </a:pPr>
             <a:r>
-              <a:rPr lang="en-ZA" sz="1500" dirty="0">
+              <a:rPr lang="en-ZA" sz="1600" dirty="0">
                 <a:effectLst/>
                 <a:latin typeface="Helvetica" panose="020B0604020202020204" pitchFamily="34" charset="0"/>
                 <a:ea typeface="Times New Roman" panose="02020603050405020304" pitchFamily="18" charset="0"/>
@@ -11695,7 +11760,7 @@
               <a:t>Conditional structures are supported in many programming languages. Conditional structures are used to specify the use of specific parts in an algorithm that need to be executed. As different conditions are met, different pieces of code are executed. The most common conditional statement is the </a:t>
             </a:r>
             <a:r>
-              <a:rPr lang="en-ZA" sz="1500" i="1" dirty="0">
+              <a:rPr lang="en-ZA" sz="1600" i="1" dirty="0">
                 <a:effectLst/>
                 <a:latin typeface="Helvetica" panose="020B0604020202020204" pitchFamily="34" charset="0"/>
                 <a:ea typeface="Times New Roman" panose="02020603050405020304" pitchFamily="18" charset="0"/>
@@ -11704,7 +11769,7 @@
               <a:t>if-else-end</a:t>
             </a:r>
             <a:r>
-              <a:rPr lang="en-ZA" sz="1500" dirty="0">
+              <a:rPr lang="en-ZA" sz="1600" dirty="0">
                 <a:effectLst/>
                 <a:latin typeface="Helvetica" panose="020B0604020202020204" pitchFamily="34" charset="0"/>
                 <a:ea typeface="Times New Roman" panose="02020603050405020304" pitchFamily="18" charset="0"/>
@@ -11712,7 +11777,7 @@
               </a:rPr>
               <a:t> statement. We will have a look at various conditional statements in this section.</a:t>
             </a:r>
-            <a:endParaRPr lang="en-ZA" sz="1500" dirty="0">
+            <a:endParaRPr lang="en-ZA" sz="1600" dirty="0">
               <a:latin typeface="Helvetica" panose="020B0604020202020204" pitchFamily="34" charset="0"/>
               <a:ea typeface="Times New Roman" panose="02020603050405020304" pitchFamily="18" charset="0"/>
               <a:cs typeface="Times New Roman" panose="02020603050405020304" pitchFamily="18" charset="0"/>
@@ -11973,7 +12038,7 @@
               <a:tabLst/>
             </a:pPr>
             <a:r>
-              <a:rPr lang="en-ZA" sz="1500" dirty="0">
+              <a:rPr lang="en-ZA" sz="1600" dirty="0">
                 <a:effectLst/>
                 <a:latin typeface="Helvetica" panose="020B0604020202020204" pitchFamily="34" charset="0"/>
                 <a:ea typeface="Times New Roman" panose="02020603050405020304" pitchFamily="18" charset="0"/>
@@ -11999,7 +12064,7 @@
               <a:buNone/>
               <a:tabLst/>
             </a:pPr>
-            <a:endParaRPr lang="en-ZA" sz="1500" dirty="0">
+            <a:endParaRPr lang="en-ZA" sz="1600" dirty="0">
               <a:effectLst/>
               <a:latin typeface="Helvetica" panose="020B0604020202020204" pitchFamily="34" charset="0"/>
               <a:ea typeface="Times New Roman" panose="02020603050405020304" pitchFamily="18" charset="0"/>
@@ -12020,7 +12085,7 @@
               <a:buNone/>
             </a:pPr>
             <a:r>
-              <a:rPr lang="en-ZA" sz="1500" dirty="0">
+              <a:rPr lang="en-ZA" sz="1600" dirty="0">
                 <a:solidFill>
                   <a:srgbClr val="0E00FF"/>
                 </a:solidFill>
@@ -12032,7 +12097,7 @@
               <a:t>if</a:t>
             </a:r>
             <a:r>
-              <a:rPr lang="en-ZA" sz="1500" dirty="0">
+              <a:rPr lang="en-ZA" sz="1600" dirty="0">
                 <a:effectLst/>
                 <a:latin typeface="Consolas" panose="020B0609020204030204" pitchFamily="49" charset="0"/>
                 <a:ea typeface="Times New Roman" panose="02020603050405020304" pitchFamily="18" charset="0"/>
@@ -12055,7 +12120,7 @@
               <a:buNone/>
             </a:pPr>
             <a:r>
-              <a:rPr lang="en-ZA" sz="1500" dirty="0">
+              <a:rPr lang="en-ZA" sz="1600" dirty="0">
                 <a:effectLst/>
                 <a:latin typeface="Consolas" panose="020B0609020204030204" pitchFamily="49" charset="0"/>
                 <a:ea typeface="Times New Roman" panose="02020603050405020304" pitchFamily="18" charset="0"/>
@@ -12078,7 +12143,7 @@
               <a:buNone/>
             </a:pPr>
             <a:r>
-              <a:rPr lang="en-ZA" sz="1500" dirty="0">
+              <a:rPr lang="en-ZA" sz="1600" dirty="0">
                 <a:solidFill>
                   <a:srgbClr val="0E00FF"/>
                 </a:solidFill>
@@ -12107,7 +12172,7 @@
               <a:buNone/>
               <a:tabLst/>
             </a:pPr>
-            <a:endParaRPr lang="en-ZA" sz="1500" dirty="0">
+            <a:endParaRPr lang="en-ZA" sz="1600" dirty="0">
               <a:effectLst/>
               <a:latin typeface="Helvetica" panose="020B0604020202020204" pitchFamily="34" charset="0"/>
               <a:ea typeface="Times New Roman" panose="02020603050405020304" pitchFamily="18" charset="0"/>
@@ -12132,7 +12197,7 @@
               <a:tabLst/>
             </a:pPr>
             <a:r>
-              <a:rPr lang="en-ZA" sz="1500" dirty="0">
+              <a:rPr lang="en-ZA" sz="1600" dirty="0">
                 <a:effectLst/>
                 <a:latin typeface="Helvetica" panose="020B0604020202020204" pitchFamily="34" charset="0"/>
                 <a:ea typeface="Times New Roman" panose="02020603050405020304" pitchFamily="18" charset="0"/>
@@ -12158,7 +12223,7 @@
               <a:buNone/>
               <a:tabLst/>
             </a:pPr>
-            <a:endParaRPr lang="en-ZA" sz="1500" dirty="0">
+            <a:endParaRPr lang="en-ZA" sz="1600" dirty="0">
               <a:latin typeface="Helvetica" panose="020B0604020202020204" pitchFamily="34" charset="0"/>
               <a:ea typeface="Times New Roman" panose="02020603050405020304" pitchFamily="18" charset="0"/>
               <a:cs typeface="Times New Roman" panose="02020603050405020304" pitchFamily="18" charset="0"/>
@@ -12182,7 +12247,7 @@
               <a:tabLst/>
             </a:pPr>
             <a:r>
-              <a:rPr lang="en-ZA" sz="1500" dirty="0">
+              <a:rPr lang="en-ZA" sz="1600" dirty="0">
                 <a:effectLst/>
                 <a:latin typeface="Helvetica" panose="020B0604020202020204" pitchFamily="34" charset="0"/>
                 <a:ea typeface="Times New Roman" panose="02020603050405020304" pitchFamily="18" charset="0"/>
@@ -12209,7 +12274,7 @@
               <a:tabLst/>
             </a:pPr>
             <a:r>
-              <a:rPr lang="en-ZA" sz="1500" dirty="0">
+              <a:rPr lang="en-ZA" sz="1600" dirty="0">
                 <a:effectLst/>
                 <a:latin typeface="Helvetica" panose="020B0604020202020204" pitchFamily="34" charset="0"/>
                 <a:ea typeface="Times New Roman" panose="02020603050405020304" pitchFamily="18" charset="0"/>
@@ -12236,7 +12301,7 @@
               <a:tabLst/>
             </a:pPr>
             <a:r>
-              <a:rPr lang="en-ZA" sz="1500" dirty="0">
+              <a:rPr lang="en-ZA" sz="1600" dirty="0">
                 <a:effectLst/>
                 <a:latin typeface="Helvetica" panose="020B0604020202020204" pitchFamily="34" charset="0"/>
                 <a:ea typeface="Times New Roman" panose="02020603050405020304" pitchFamily="18" charset="0"/>
@@ -12262,7 +12327,7 @@
               <a:buNone/>
               <a:tabLst/>
             </a:pPr>
-            <a:endParaRPr lang="en-ZA" sz="1500" dirty="0">
+            <a:endParaRPr lang="en-ZA" sz="1600" dirty="0">
               <a:effectLst/>
               <a:latin typeface="Helvetica" panose="020B0604020202020204" pitchFamily="34" charset="0"/>
               <a:ea typeface="Times New Roman" panose="02020603050405020304" pitchFamily="18" charset="0"/>
@@ -12287,7 +12352,7 @@
               <a:tabLst/>
             </a:pPr>
             <a:r>
-              <a:rPr lang="en-ZA" sz="1500" dirty="0">
+              <a:rPr lang="en-ZA" sz="1600" dirty="0">
                 <a:effectLst/>
                 <a:latin typeface="Helvetica" panose="020B0604020202020204" pitchFamily="34" charset="0"/>
                 <a:ea typeface="Times New Roman" panose="02020603050405020304" pitchFamily="18" charset="0"/>
@@ -12313,7 +12378,7 @@
               <a:buNone/>
               <a:tabLst/>
             </a:pPr>
-            <a:endParaRPr lang="en-ZA" sz="1500" dirty="0">
+            <a:endParaRPr lang="en-ZA" sz="1600" dirty="0">
               <a:latin typeface="Helvetica" panose="020B0604020202020204" pitchFamily="34" charset="0"/>
               <a:ea typeface="Times New Roman" panose="02020603050405020304" pitchFamily="18" charset="0"/>
               <a:cs typeface="Times New Roman" panose="02020603050405020304" pitchFamily="18" charset="0"/>
@@ -12337,7 +12402,7 @@
               <a:tabLst/>
             </a:pPr>
             <a:r>
-              <a:rPr lang="en-ZA" sz="1500" dirty="0">
+              <a:rPr lang="en-ZA" sz="1600" dirty="0">
                 <a:effectLst/>
                 <a:latin typeface="Helvetica" panose="020B0604020202020204" pitchFamily="34" charset="0"/>
                 <a:ea typeface="Times New Roman" panose="02020603050405020304" pitchFamily="18" charset="0"/>
@@ -12363,7 +12428,7 @@
               <a:buNone/>
               <a:tabLst/>
             </a:pPr>
-            <a:endParaRPr lang="en-ZA" sz="1500" dirty="0">
+            <a:endParaRPr lang="en-ZA" sz="1600" dirty="0">
               <a:latin typeface="Helvetica" panose="020B0604020202020204" pitchFamily="34" charset="0"/>
               <a:ea typeface="Times New Roman" panose="02020603050405020304" pitchFamily="18" charset="0"/>
               <a:cs typeface="Times New Roman" panose="02020603050405020304" pitchFamily="18" charset="0"/>
@@ -12387,7 +12452,7 @@
               <a:tabLst/>
             </a:pPr>
             <a:r>
-              <a:rPr lang="en-ZA" sz="1500" dirty="0">
+              <a:rPr lang="en-ZA" sz="1600" dirty="0">
                 <a:effectLst/>
                 <a:latin typeface="Helvetica" panose="020B0604020202020204" pitchFamily="34" charset="0"/>
                 <a:ea typeface="Times New Roman" panose="02020603050405020304" pitchFamily="18" charset="0"/>
@@ -12651,7 +12716,7 @@
               <a:tabLst/>
             </a:pPr>
             <a:r>
-              <a:rPr lang="en-ZA" sz="1500" dirty="0">
+              <a:rPr lang="en-ZA" sz="1600" dirty="0">
                 <a:effectLst/>
                 <a:latin typeface="Helvetica" panose="020B0604020202020204" pitchFamily="34" charset="0"/>
                 <a:ea typeface="Times New Roman" panose="02020603050405020304" pitchFamily="18" charset="0"/>
@@ -12677,7 +12742,7 @@
               <a:buNone/>
               <a:tabLst/>
             </a:pPr>
-            <a:endParaRPr lang="en-ZA" sz="1500" dirty="0">
+            <a:endParaRPr lang="en-ZA" sz="1600" dirty="0">
               <a:effectLst/>
               <a:latin typeface="Helvetica" panose="020B0604020202020204" pitchFamily="34" charset="0"/>
               <a:ea typeface="Times New Roman" panose="02020603050405020304" pitchFamily="18" charset="0"/>
@@ -12698,7 +12763,7 @@
               <a:buNone/>
             </a:pPr>
             <a:r>
-              <a:rPr lang="en-ZA" sz="1500" dirty="0">
+              <a:rPr lang="en-ZA" sz="1600" dirty="0">
                 <a:solidFill>
                   <a:srgbClr val="0E00FF"/>
                 </a:solidFill>
@@ -12710,7 +12775,7 @@
               <a:t>if</a:t>
             </a:r>
             <a:r>
-              <a:rPr lang="en-ZA" sz="1500" dirty="0">
+              <a:rPr lang="en-ZA" sz="1600" dirty="0">
                 <a:effectLst/>
                 <a:latin typeface="Helvetica" panose="020B0604020202020204" pitchFamily="34" charset="0"/>
                 <a:ea typeface="Times New Roman" panose="02020603050405020304" pitchFamily="18" charset="0"/>
@@ -12733,7 +12798,7 @@
               <a:buNone/>
             </a:pPr>
             <a:r>
-              <a:rPr lang="en-ZA" sz="1500" dirty="0">
+              <a:rPr lang="en-ZA" sz="1600" dirty="0">
                 <a:effectLst/>
                 <a:latin typeface="Helvetica" panose="020B0604020202020204" pitchFamily="34" charset="0"/>
                 <a:ea typeface="Times New Roman" panose="02020603050405020304" pitchFamily="18" charset="0"/>
@@ -12756,7 +12821,7 @@
               <a:buNone/>
             </a:pPr>
             <a:r>
-              <a:rPr lang="en-ZA" sz="1500" dirty="0">
+              <a:rPr lang="en-ZA" sz="1600" dirty="0">
                 <a:solidFill>
                   <a:srgbClr val="0E00FF"/>
                 </a:solidFill>
@@ -12768,7 +12833,7 @@
               <a:t>elseif</a:t>
             </a:r>
             <a:r>
-              <a:rPr lang="en-ZA" sz="1500" dirty="0">
+              <a:rPr lang="en-ZA" sz="1600" dirty="0">
                 <a:effectLst/>
                 <a:latin typeface="Helvetica" panose="020B0604020202020204" pitchFamily="34" charset="0"/>
                 <a:ea typeface="Times New Roman" panose="02020603050405020304" pitchFamily="18" charset="0"/>
@@ -12791,7 +12856,7 @@
               <a:buNone/>
             </a:pPr>
             <a:r>
-              <a:rPr lang="en-ZA" sz="1500" dirty="0">
+              <a:rPr lang="en-ZA" sz="1600" dirty="0">
                 <a:effectLst/>
                 <a:latin typeface="Helvetica" panose="020B0604020202020204" pitchFamily="34" charset="0"/>
                 <a:ea typeface="Times New Roman" panose="02020603050405020304" pitchFamily="18" charset="0"/>
@@ -12814,7 +12879,7 @@
               <a:buNone/>
             </a:pPr>
             <a:r>
-              <a:rPr lang="en-ZA" sz="1500" dirty="0">
+              <a:rPr lang="en-ZA" sz="1600" dirty="0">
                 <a:solidFill>
                   <a:srgbClr val="0E00FF"/>
                 </a:solidFill>
@@ -12840,7 +12905,7 @@
               <a:buNone/>
             </a:pPr>
             <a:r>
-              <a:rPr lang="en-ZA" sz="1500" dirty="0">
+              <a:rPr lang="en-ZA" sz="1600" dirty="0">
                 <a:effectLst/>
                 <a:latin typeface="Helvetica" panose="020B0604020202020204" pitchFamily="34" charset="0"/>
                 <a:ea typeface="Times New Roman" panose="02020603050405020304" pitchFamily="18" charset="0"/>
@@ -12849,7 +12914,7 @@
               <a:t>   </a:t>
             </a:r>
             <a:r>
-              <a:rPr lang="en-ZA" sz="1500" dirty="0" err="1">
+              <a:rPr lang="en-ZA" sz="1600" dirty="0" err="1">
                 <a:effectLst/>
                 <a:latin typeface="Helvetica" panose="020B0604020202020204" pitchFamily="34" charset="0"/>
                 <a:ea typeface="Times New Roman" panose="02020603050405020304" pitchFamily="18" charset="0"/>
@@ -12858,7 +12923,7 @@
               <a:t>statementGroup</a:t>
             </a:r>
             <a:r>
-              <a:rPr lang="en-ZA" sz="1500" dirty="0">
+              <a:rPr lang="en-ZA" sz="1600" dirty="0">
                 <a:effectLst/>
                 <a:latin typeface="Helvetica" panose="020B0604020202020204" pitchFamily="34" charset="0"/>
                 <a:ea typeface="Times New Roman" panose="02020603050405020304" pitchFamily="18" charset="0"/>
@@ -12881,7 +12946,7 @@
               <a:buNone/>
             </a:pPr>
             <a:r>
-              <a:rPr lang="en-ZA" sz="1500" dirty="0">
+              <a:rPr lang="en-ZA" sz="1600" dirty="0">
                 <a:solidFill>
                   <a:srgbClr val="0E00FF"/>
                 </a:solidFill>
@@ -12910,7 +12975,7 @@
               <a:buNone/>
               <a:tabLst/>
             </a:pPr>
-            <a:endParaRPr lang="en-ZA" sz="1500" dirty="0">
+            <a:endParaRPr lang="en-ZA" sz="1600" dirty="0">
               <a:effectLst/>
               <a:latin typeface="Helvetica" panose="020B0604020202020204" pitchFamily="34" charset="0"/>
               <a:ea typeface="Times New Roman" panose="02020603050405020304" pitchFamily="18" charset="0"/>
@@ -12935,7 +13000,7 @@
               <a:tabLst/>
             </a:pPr>
             <a:r>
-              <a:rPr lang="en-ZA" sz="1500" dirty="0">
+              <a:rPr lang="en-ZA" sz="1600" dirty="0">
                 <a:effectLst/>
                 <a:latin typeface="Helvetica" panose="020B0604020202020204" pitchFamily="34" charset="0"/>
                 <a:ea typeface="Times New Roman" panose="02020603050405020304" pitchFamily="18" charset="0"/>
@@ -12961,7 +13026,7 @@
               <a:buNone/>
               <a:tabLst/>
             </a:pPr>
-            <a:endParaRPr lang="en-ZA" sz="1500" dirty="0">
+            <a:endParaRPr lang="en-ZA" sz="1600" dirty="0">
               <a:effectLst/>
               <a:latin typeface="Helvetica" panose="020B0604020202020204" pitchFamily="34" charset="0"/>
               <a:ea typeface="Times New Roman" panose="02020603050405020304" pitchFamily="18" charset="0"/>
@@ -12986,7 +13051,7 @@
               <a:tabLst/>
             </a:pPr>
             <a:r>
-              <a:rPr lang="en-ZA" sz="1500" dirty="0">
+              <a:rPr lang="en-ZA" sz="1600" dirty="0">
                 <a:effectLst/>
                 <a:latin typeface="Helvetica" panose="020B0604020202020204" pitchFamily="34" charset="0"/>
                 <a:ea typeface="Times New Roman" panose="02020603050405020304" pitchFamily="18" charset="0"/>
@@ -13012,7 +13077,7 @@
               <a:buNone/>
               <a:tabLst/>
             </a:pPr>
-            <a:endParaRPr lang="en-ZA" sz="1500" dirty="0">
+            <a:endParaRPr lang="en-ZA" sz="1600" dirty="0">
               <a:effectLst/>
               <a:latin typeface="Helvetica" panose="020B0604020202020204" pitchFamily="34" charset="0"/>
               <a:ea typeface="Times New Roman" panose="02020603050405020304" pitchFamily="18" charset="0"/>
@@ -13037,7 +13102,7 @@
               <a:tabLst/>
             </a:pPr>
             <a:r>
-              <a:rPr lang="en-ZA" sz="1500" dirty="0">
+              <a:rPr lang="en-ZA" sz="1600" dirty="0">
                 <a:effectLst/>
                 <a:latin typeface="Helvetica" panose="020B0604020202020204" pitchFamily="34" charset="0"/>
                 <a:ea typeface="Times New Roman" panose="02020603050405020304" pitchFamily="18" charset="0"/>
@@ -13222,7 +13287,7 @@
         </p:nvSpPr>
         <p:spPr>
           <a:xfrm>
-            <a:off x="462013" y="2839346"/>
+            <a:off x="462013" y="3043634"/>
             <a:ext cx="8229600" cy="2016000"/>
           </a:xfrm>
           <a:prstGeom prst="rect">
@@ -13365,7 +13430,7 @@
               <a:tabLst/>
             </a:pPr>
             <a:r>
-              <a:rPr lang="en-ZA" sz="1500" dirty="0">
+              <a:rPr lang="en-ZA" sz="1600" dirty="0">
                 <a:latin typeface="Helvetica" panose="020B0604020202020204" pitchFamily="34" charset="0"/>
                 <a:ea typeface="Times New Roman" panose="02020603050405020304" pitchFamily="18" charset="0"/>
                 <a:cs typeface="Times New Roman" panose="02020603050405020304" pitchFamily="18" charset="0"/>
@@ -13373,7 +13438,7 @@
               <a:t>          </a:t>
             </a:r>
             <a:r>
-              <a:rPr lang="en-ZA" sz="1500" dirty="0">
+              <a:rPr lang="en-ZA" sz="1600" dirty="0">
                 <a:effectLst/>
                 <a:latin typeface="Helvetica" panose="020B0604020202020204" pitchFamily="34" charset="0"/>
                 <a:ea typeface="Times New Roman" panose="02020603050405020304" pitchFamily="18" charset="0"/>
@@ -13399,7 +13464,7 @@
               <a:buNone/>
               <a:tabLst/>
             </a:pPr>
-            <a:endParaRPr lang="en-ZA" sz="1500" dirty="0">
+            <a:endParaRPr lang="en-ZA" sz="1600" dirty="0">
               <a:effectLst/>
               <a:latin typeface="Helvetica" panose="020B0604020202020204" pitchFamily="34" charset="0"/>
               <a:ea typeface="Times New Roman" panose="02020603050405020304" pitchFamily="18" charset="0"/>
@@ -13424,13 +13489,13 @@
               <a:tabLst/>
             </a:pPr>
             <a:r>
-              <a:rPr lang="en-ZA" sz="1500" dirty="0">
+              <a:rPr lang="en-ZA" sz="1600" dirty="0">
                 <a:effectLst/>
                 <a:latin typeface="Helvetica" panose="020B0604020202020204" pitchFamily="34" charset="0"/>
                 <a:ea typeface="Times New Roman" panose="02020603050405020304" pitchFamily="18" charset="0"/>
                 <a:cs typeface="Times New Roman" panose="02020603050405020304" pitchFamily="18" charset="0"/>
               </a:rPr>
-              <a:t>Let's look at an process in code. </a:t>
+              <a:t>Let's look at a process in code. </a:t>
             </a:r>
           </a:p>
           <a:p>
@@ -13450,7 +13515,7 @@
               <a:buNone/>
               <a:tabLst/>
             </a:pPr>
-            <a:endParaRPr lang="en-ZA" sz="1500" dirty="0">
+            <a:endParaRPr lang="en-ZA" sz="1600" dirty="0">
               <a:effectLst/>
               <a:latin typeface="Helvetica" panose="020B0604020202020204" pitchFamily="34" charset="0"/>
               <a:ea typeface="Times New Roman" panose="02020603050405020304" pitchFamily="18" charset="0"/>
@@ -13471,7 +13536,7 @@
               <a:buNone/>
             </a:pPr>
             <a:r>
-              <a:rPr lang="en-ZA" sz="1500" dirty="0" err="1">
+              <a:rPr lang="en-ZA" sz="1600" dirty="0" err="1">
                 <a:effectLst/>
                 <a:latin typeface="Consolas" panose="020B0609020204030204" pitchFamily="49" charset="0"/>
                 <a:ea typeface="Times New Roman" panose="02020603050405020304" pitchFamily="18" charset="0"/>
@@ -13480,7 +13545,7 @@
               <a:t>aRandomValue</a:t>
             </a:r>
             <a:r>
-              <a:rPr lang="en-ZA" sz="1500" dirty="0">
+              <a:rPr lang="en-ZA" sz="1600" dirty="0">
                 <a:effectLst/>
                 <a:latin typeface="Consolas" panose="020B0609020204030204" pitchFamily="49" charset="0"/>
                 <a:ea typeface="Times New Roman" panose="02020603050405020304" pitchFamily="18" charset="0"/>
@@ -13503,7 +13568,7 @@
               <a:buNone/>
             </a:pPr>
             <a:r>
-              <a:rPr lang="en-ZA" sz="1500" dirty="0">
+              <a:rPr lang="en-ZA" sz="1600" dirty="0">
                 <a:solidFill>
                   <a:srgbClr val="0E00FF"/>
                 </a:solidFill>
@@ -13515,7 +13580,7 @@
               <a:t>if</a:t>
             </a:r>
             <a:r>
-              <a:rPr lang="en-ZA" sz="1500" dirty="0">
+              <a:rPr lang="en-ZA" sz="1600" dirty="0">
                 <a:effectLst/>
                 <a:latin typeface="Consolas" panose="020B0609020204030204" pitchFamily="49" charset="0"/>
                 <a:ea typeface="Times New Roman" panose="02020603050405020304" pitchFamily="18" charset="0"/>
@@ -13524,7 +13589,7 @@
               <a:t>  </a:t>
             </a:r>
             <a:r>
-              <a:rPr lang="en-ZA" sz="1500" dirty="0" err="1">
+              <a:rPr lang="en-ZA" sz="1600" dirty="0" err="1">
                 <a:effectLst/>
                 <a:latin typeface="Consolas" panose="020B0609020204030204" pitchFamily="49" charset="0"/>
                 <a:ea typeface="Times New Roman" panose="02020603050405020304" pitchFamily="18" charset="0"/>
@@ -13533,7 +13598,7 @@
               <a:t>aRandomValue</a:t>
             </a:r>
             <a:r>
-              <a:rPr lang="en-ZA" sz="1500" dirty="0">
+              <a:rPr lang="en-ZA" sz="1600" dirty="0">
                 <a:effectLst/>
                 <a:latin typeface="Consolas" panose="020B0609020204030204" pitchFamily="49" charset="0"/>
                 <a:ea typeface="Times New Roman" panose="02020603050405020304" pitchFamily="18" charset="0"/>
@@ -13556,7 +13621,7 @@
               <a:buNone/>
             </a:pPr>
             <a:r>
-              <a:rPr lang="en-ZA" sz="1500" dirty="0">
+              <a:rPr lang="en-ZA" sz="1600" dirty="0">
                 <a:effectLst/>
                 <a:latin typeface="Consolas" panose="020B0609020204030204" pitchFamily="49" charset="0"/>
                 <a:ea typeface="Times New Roman" panose="02020603050405020304" pitchFamily="18" charset="0"/>
@@ -13565,7 +13630,7 @@
               <a:t>     </a:t>
             </a:r>
             <a:r>
-              <a:rPr lang="en-ZA" sz="1500" dirty="0" err="1">
+              <a:rPr lang="en-ZA" sz="1600" dirty="0" err="1">
                 <a:effectLst/>
                 <a:latin typeface="Consolas" panose="020B0609020204030204" pitchFamily="49" charset="0"/>
                 <a:ea typeface="Times New Roman" panose="02020603050405020304" pitchFamily="18" charset="0"/>
@@ -13574,7 +13639,7 @@
               <a:t>msgString</a:t>
             </a:r>
             <a:r>
-              <a:rPr lang="en-ZA" sz="1500" dirty="0">
+              <a:rPr lang="en-ZA" sz="1600" dirty="0">
                 <a:effectLst/>
                 <a:latin typeface="Consolas" panose="020B0609020204030204" pitchFamily="49" charset="0"/>
                 <a:ea typeface="Times New Roman" panose="02020603050405020304" pitchFamily="18" charset="0"/>
@@ -13583,7 +13648,7 @@
               <a:t> = </a:t>
             </a:r>
             <a:r>
-              <a:rPr lang="en-ZA" sz="1500" dirty="0" err="1">
+              <a:rPr lang="en-ZA" sz="1600" dirty="0" err="1">
                 <a:effectLst/>
                 <a:latin typeface="Consolas" panose="020B0609020204030204" pitchFamily="49" charset="0"/>
                 <a:ea typeface="Times New Roman" panose="02020603050405020304" pitchFamily="18" charset="0"/>
@@ -13592,7 +13657,7 @@
               <a:t>sprintf</a:t>
             </a:r>
             <a:r>
-              <a:rPr lang="en-ZA" sz="1500" dirty="0">
+              <a:rPr lang="en-ZA" sz="1600" dirty="0">
                 <a:effectLst/>
                 <a:latin typeface="Consolas" panose="020B0609020204030204" pitchFamily="49" charset="0"/>
                 <a:ea typeface="Times New Roman" panose="02020603050405020304" pitchFamily="18" charset="0"/>
@@ -13601,7 +13666,7 @@
               <a:t>(</a:t>
             </a:r>
             <a:r>
-              <a:rPr lang="en-ZA" sz="1500" dirty="0">
+              <a:rPr lang="en-ZA" sz="1600" dirty="0">
                 <a:solidFill>
                   <a:srgbClr val="A709F5"/>
                 </a:solidFill>
@@ -13613,7 +13678,7 @@
               <a:t>'The Random value is: %d'</a:t>
             </a:r>
             <a:r>
-              <a:rPr lang="en-ZA" sz="1500" dirty="0">
+              <a:rPr lang="en-ZA" sz="1600" dirty="0">
                 <a:effectLst/>
                 <a:latin typeface="Consolas" panose="020B0609020204030204" pitchFamily="49" charset="0"/>
                 <a:ea typeface="Times New Roman" panose="02020603050405020304" pitchFamily="18" charset="0"/>
@@ -13622,7 +13687,7 @@
               <a:t>, </a:t>
             </a:r>
             <a:r>
-              <a:rPr lang="en-ZA" sz="1500" dirty="0" err="1">
+              <a:rPr lang="en-ZA" sz="1600" dirty="0" err="1">
                 <a:effectLst/>
                 <a:latin typeface="Consolas" panose="020B0609020204030204" pitchFamily="49" charset="0"/>
                 <a:ea typeface="Times New Roman" panose="02020603050405020304" pitchFamily="18" charset="0"/>
@@ -13631,7 +13696,7 @@
               <a:t>aRandomValue</a:t>
             </a:r>
             <a:r>
-              <a:rPr lang="en-ZA" sz="1500" dirty="0">
+              <a:rPr lang="en-ZA" sz="1600" dirty="0">
                 <a:effectLst/>
                 <a:latin typeface="Consolas" panose="020B0609020204030204" pitchFamily="49" charset="0"/>
                 <a:ea typeface="Times New Roman" panose="02020603050405020304" pitchFamily="18" charset="0"/>
@@ -13654,7 +13719,7 @@
               <a:buNone/>
             </a:pPr>
             <a:r>
-              <a:rPr lang="en-ZA" sz="1500" dirty="0">
+              <a:rPr lang="en-ZA" sz="1600" dirty="0">
                 <a:solidFill>
                   <a:srgbClr val="0E00FF"/>
                 </a:solidFill>
@@ -13666,7 +13731,7 @@
               <a:t>elseif</a:t>
             </a:r>
             <a:r>
-              <a:rPr lang="en-ZA" sz="1500" dirty="0">
+              <a:rPr lang="en-ZA" sz="1600" dirty="0">
                 <a:effectLst/>
                 <a:latin typeface="Consolas" panose="020B0609020204030204" pitchFamily="49" charset="0"/>
                 <a:ea typeface="Times New Roman" panose="02020603050405020304" pitchFamily="18" charset="0"/>
@@ -13675,7 +13740,7 @@
               <a:t>  </a:t>
             </a:r>
             <a:r>
-              <a:rPr lang="en-ZA" sz="1500" dirty="0" err="1">
+              <a:rPr lang="en-ZA" sz="1600" dirty="0" err="1">
                 <a:effectLst/>
                 <a:latin typeface="Consolas" panose="020B0609020204030204" pitchFamily="49" charset="0"/>
                 <a:ea typeface="Times New Roman" panose="02020603050405020304" pitchFamily="18" charset="0"/>
@@ -13684,7 +13749,7 @@
               <a:t>aRandomValue</a:t>
             </a:r>
             <a:r>
-              <a:rPr lang="en-ZA" sz="1500" dirty="0">
+              <a:rPr lang="en-ZA" sz="1600" dirty="0">
                 <a:effectLst/>
                 <a:latin typeface="Consolas" panose="020B0609020204030204" pitchFamily="49" charset="0"/>
                 <a:ea typeface="Times New Roman" panose="02020603050405020304" pitchFamily="18" charset="0"/>
@@ -13707,7 +13772,7 @@
               <a:buNone/>
             </a:pPr>
             <a:r>
-              <a:rPr lang="en-ZA" sz="1500" dirty="0">
+              <a:rPr lang="en-ZA" sz="1600" dirty="0">
                 <a:effectLst/>
                 <a:latin typeface="Consolas" panose="020B0609020204030204" pitchFamily="49" charset="0"/>
                 <a:ea typeface="Times New Roman" panose="02020603050405020304" pitchFamily="18" charset="0"/>
@@ -13716,7 +13781,7 @@
               <a:t>     </a:t>
             </a:r>
             <a:r>
-              <a:rPr lang="en-ZA" sz="1500" dirty="0" err="1">
+              <a:rPr lang="en-ZA" sz="1600" dirty="0" err="1">
                 <a:effectLst/>
                 <a:latin typeface="Consolas" panose="020B0609020204030204" pitchFamily="49" charset="0"/>
                 <a:ea typeface="Times New Roman" panose="02020603050405020304" pitchFamily="18" charset="0"/>
@@ -13725,7 +13790,7 @@
               <a:t>msgString</a:t>
             </a:r>
             <a:r>
-              <a:rPr lang="en-ZA" sz="1500" dirty="0">
+              <a:rPr lang="en-ZA" sz="1600" dirty="0">
                 <a:effectLst/>
                 <a:latin typeface="Consolas" panose="020B0609020204030204" pitchFamily="49" charset="0"/>
                 <a:ea typeface="Times New Roman" panose="02020603050405020304" pitchFamily="18" charset="0"/>
@@ -13734,7 +13799,7 @@
               <a:t> = </a:t>
             </a:r>
             <a:r>
-              <a:rPr lang="en-ZA" sz="1500" dirty="0" err="1">
+              <a:rPr lang="en-ZA" sz="1600" dirty="0" err="1">
                 <a:effectLst/>
                 <a:latin typeface="Consolas" panose="020B0609020204030204" pitchFamily="49" charset="0"/>
                 <a:ea typeface="Times New Roman" panose="02020603050405020304" pitchFamily="18" charset="0"/>
@@ -13743,7 +13808,7 @@
               <a:t>sprintf</a:t>
             </a:r>
             <a:r>
-              <a:rPr lang="en-ZA" sz="1500" dirty="0">
+              <a:rPr lang="en-ZA" sz="1600" dirty="0">
                 <a:effectLst/>
                 <a:latin typeface="Consolas" panose="020B0609020204030204" pitchFamily="49" charset="0"/>
                 <a:ea typeface="Times New Roman" panose="02020603050405020304" pitchFamily="18" charset="0"/>
@@ -13752,7 +13817,7 @@
               <a:t>(</a:t>
             </a:r>
             <a:r>
-              <a:rPr lang="en-ZA" sz="1500" dirty="0">
+              <a:rPr lang="en-ZA" sz="1600" dirty="0">
                 <a:solidFill>
                   <a:srgbClr val="A709F5"/>
                 </a:solidFill>
@@ -13764,7 +13829,7 @@
               <a:t>'The Random value is: %d'</a:t>
             </a:r>
             <a:r>
-              <a:rPr lang="en-ZA" sz="1500" dirty="0">
+              <a:rPr lang="en-ZA" sz="1600" dirty="0">
                 <a:effectLst/>
                 <a:latin typeface="Consolas" panose="020B0609020204030204" pitchFamily="49" charset="0"/>
                 <a:ea typeface="Times New Roman" panose="02020603050405020304" pitchFamily="18" charset="0"/>
@@ -13773,7 +13838,7 @@
               <a:t>, </a:t>
             </a:r>
             <a:r>
-              <a:rPr lang="en-ZA" sz="1500" dirty="0" err="1">
+              <a:rPr lang="en-ZA" sz="1600" dirty="0" err="1">
                 <a:effectLst/>
                 <a:latin typeface="Consolas" panose="020B0609020204030204" pitchFamily="49" charset="0"/>
                 <a:ea typeface="Times New Roman" panose="02020603050405020304" pitchFamily="18" charset="0"/>
@@ -13782,7 +13847,7 @@
               <a:t>aRandomValue</a:t>
             </a:r>
             <a:r>
-              <a:rPr lang="en-ZA" sz="1500" dirty="0">
+              <a:rPr lang="en-ZA" sz="1600" dirty="0">
                 <a:effectLst/>
                 <a:latin typeface="Consolas" panose="020B0609020204030204" pitchFamily="49" charset="0"/>
                 <a:ea typeface="Times New Roman" panose="02020603050405020304" pitchFamily="18" charset="0"/>
@@ -13805,7 +13870,7 @@
               <a:buNone/>
             </a:pPr>
             <a:r>
-              <a:rPr lang="en-ZA" sz="1500" dirty="0">
+              <a:rPr lang="en-ZA" sz="1600" dirty="0">
                 <a:solidFill>
                   <a:srgbClr val="0E00FF"/>
                 </a:solidFill>
@@ -13817,7 +13882,7 @@
               <a:t>else</a:t>
             </a:r>
             <a:r>
-              <a:rPr lang="en-ZA" sz="1500" dirty="0">
+              <a:rPr lang="en-ZA" sz="1600" dirty="0">
                 <a:effectLst/>
                 <a:latin typeface="Consolas" panose="020B0609020204030204" pitchFamily="49" charset="0"/>
                 <a:ea typeface="Times New Roman" panose="02020603050405020304" pitchFamily="18" charset="0"/>
@@ -13840,7 +13905,7 @@
               <a:buNone/>
             </a:pPr>
             <a:r>
-              <a:rPr lang="en-ZA" sz="1500" dirty="0">
+              <a:rPr lang="en-ZA" sz="1600" dirty="0">
                 <a:effectLst/>
                 <a:latin typeface="Consolas" panose="020B0609020204030204" pitchFamily="49" charset="0"/>
                 <a:ea typeface="Times New Roman" panose="02020603050405020304" pitchFamily="18" charset="0"/>
@@ -13849,7 +13914,7 @@
               <a:t>     </a:t>
             </a:r>
             <a:r>
-              <a:rPr lang="en-ZA" sz="1500" dirty="0" err="1">
+              <a:rPr lang="en-ZA" sz="1600" dirty="0" err="1">
                 <a:effectLst/>
                 <a:latin typeface="Consolas" panose="020B0609020204030204" pitchFamily="49" charset="0"/>
                 <a:ea typeface="Times New Roman" panose="02020603050405020304" pitchFamily="18" charset="0"/>
@@ -13858,7 +13923,7 @@
               <a:t>msgString</a:t>
             </a:r>
             <a:r>
-              <a:rPr lang="en-ZA" sz="1500" dirty="0">
+              <a:rPr lang="en-ZA" sz="1600" dirty="0">
                 <a:effectLst/>
                 <a:latin typeface="Consolas" panose="020B0609020204030204" pitchFamily="49" charset="0"/>
                 <a:ea typeface="Times New Roman" panose="02020603050405020304" pitchFamily="18" charset="0"/>
@@ -13867,7 +13932,7 @@
               <a:t> = </a:t>
             </a:r>
             <a:r>
-              <a:rPr lang="en-ZA" sz="1500" dirty="0">
+              <a:rPr lang="en-ZA" sz="1600" dirty="0">
                 <a:solidFill>
                   <a:srgbClr val="A709F5"/>
                 </a:solidFill>
@@ -13893,7 +13958,7 @@
               <a:buNone/>
             </a:pPr>
             <a:r>
-              <a:rPr lang="en-ZA" sz="1500" dirty="0">
+              <a:rPr lang="en-ZA" sz="1600" dirty="0">
                 <a:solidFill>
                   <a:srgbClr val="0E00FF"/>
                 </a:solidFill>
@@ -13922,7 +13987,7 @@
               <a:buNone/>
               <a:tabLst/>
             </a:pPr>
-            <a:endParaRPr lang="en-ZA" sz="1500" dirty="0">
+            <a:endParaRPr lang="en-ZA" sz="1600" dirty="0">
               <a:effectLst/>
               <a:latin typeface="Helvetica" panose="020B0604020202020204" pitchFamily="34" charset="0"/>
               <a:ea typeface="Times New Roman" panose="02020603050405020304" pitchFamily="18" charset="0"/>
@@ -13947,7 +14012,7 @@
               <a:tabLst/>
             </a:pPr>
             <a:r>
-              <a:rPr lang="en-ZA" sz="1500" dirty="0">
+              <a:rPr lang="en-ZA" sz="1600" dirty="0">
                 <a:effectLst/>
                 <a:latin typeface="Helvetica" panose="020B0604020202020204" pitchFamily="34" charset="0"/>
                 <a:ea typeface="Times New Roman" panose="02020603050405020304" pitchFamily="18" charset="0"/>
@@ -13956,7 +14021,7 @@
               <a:t>Read more about the </a:t>
             </a:r>
             <a:r>
-              <a:rPr lang="en-ZA" sz="1500" dirty="0" err="1">
+              <a:rPr lang="en-ZA" sz="1600" dirty="0" err="1">
                 <a:solidFill>
                   <a:srgbClr val="0070C0"/>
                 </a:solidFill>
@@ -13968,7 +14033,7 @@
               <a:t>sprintf</a:t>
             </a:r>
             <a:r>
-              <a:rPr lang="en-ZA" sz="1500" dirty="0">
+              <a:rPr lang="en-ZA" sz="1600" dirty="0">
                 <a:effectLst/>
                 <a:latin typeface="Helvetica" panose="020B0604020202020204" pitchFamily="34" charset="0"/>
                 <a:ea typeface="Times New Roman" panose="02020603050405020304" pitchFamily="18" charset="0"/>
@@ -14200,7 +14265,7 @@
         </p:nvSpPr>
         <p:spPr>
           <a:xfrm>
-            <a:off x="462013" y="3934721"/>
+            <a:off x="462013" y="4372465"/>
             <a:ext cx="8229600" cy="1728000"/>
           </a:xfrm>
           <a:prstGeom prst="rect">
@@ -14333,7 +14398,7 @@
               <a:buNone/>
             </a:pPr>
             <a:r>
-              <a:rPr kumimoji="0" lang="en-ZA" altLang="en-US" sz="1500" b="0" i="0" u="none" strike="noStrike" cap="none" normalizeH="0" baseline="0" dirty="0">
+              <a:rPr kumimoji="0" lang="en-ZA" altLang="en-US" sz="1600" b="0" i="0" u="none" strike="noStrike" cap="none" normalizeH="0" baseline="0" dirty="0">
                 <a:ln>
                   <a:noFill/>
                 </a:ln>
@@ -14360,7 +14425,7 @@
               <a:buNone/>
             </a:pPr>
             <a:r>
-              <a:rPr kumimoji="0" lang="en-ZA" altLang="en-US" sz="1500" b="0" i="0" u="none" strike="noStrike" cap="none" normalizeH="0" baseline="0" dirty="0">
+              <a:rPr kumimoji="0" lang="en-ZA" altLang="en-US" sz="1600" b="0" i="0" u="none" strike="noStrike" cap="none" normalizeH="0" baseline="0" dirty="0">
                 <a:ln>
                   <a:noFill/>
                 </a:ln>
@@ -14387,7 +14452,7 @@
               <a:buNone/>
             </a:pPr>
             <a:r>
-              <a:rPr kumimoji="0" lang="en-ZA" altLang="en-US" sz="1500" b="0" i="0" u="none" strike="noStrike" cap="none" normalizeH="0" baseline="0" dirty="0">
+              <a:rPr kumimoji="0" lang="en-ZA" altLang="en-US" sz="1600" b="0" i="0" u="none" strike="noStrike" cap="none" normalizeH="0" baseline="0" dirty="0">
                 <a:ln>
                   <a:noFill/>
                 </a:ln>
@@ -14400,7 +14465,7 @@
               <a:t>          In this example, an initial value "a" is goes through a for loop and accumulates 1 (</a:t>
             </a:r>
             <a:r>
-              <a:rPr kumimoji="0" lang="en-ZA" altLang="en-US" sz="1500" b="0" i="0" u="none" strike="noStrike" cap="none" normalizeH="0" baseline="0" dirty="0" err="1">
+              <a:rPr kumimoji="0" lang="en-ZA" altLang="en-US" sz="1600" b="0" i="0" u="none" strike="noStrike" cap="none" normalizeH="0" baseline="0" dirty="0" err="1">
                 <a:ln>
                   <a:noFill/>
                 </a:ln>
@@ -14413,7 +14478,7 @@
               <a:t>i.e</a:t>
             </a:r>
             <a:r>
-              <a:rPr kumimoji="0" lang="en-ZA" altLang="en-US" sz="1500" b="0" i="0" u="none" strike="noStrike" cap="none" normalizeH="0" baseline="0" dirty="0">
+              <a:rPr kumimoji="0" lang="en-ZA" altLang="en-US" sz="1600" b="0" i="0" u="none" strike="noStrike" cap="none" normalizeH="0" baseline="0" dirty="0">
                 <a:ln>
                   <a:noFill/>
                 </a:ln>
@@ -14423,7 +14488,7 @@
                 <a:effectLst/>
                 <a:latin typeface="Arial" panose="020B0604020202020204" pitchFamily="34" charset="0"/>
               </a:rPr>
-              <a:t> a + 1) the result is then checked to see if a condition is satisfied  (in this case, if a  is greater than 3). If the condition is satisfied, then a display message is returned with the phrase "a is greater than 3". Otherwise, the next iteration is performed and the algorithm repeated.  </a:t>
+              <a:t> a + 1) the result is then checked to see if a condition is satisfied  (in this case, if a  is greater than 3). If the condition is satisfied, then a display message is returned with the phrase "a is greater than 3". Otherwise, the next iteration is performed, and the algorithm repeated.  </a:t>
             </a:r>
           </a:p>
           <a:p>
@@ -14437,7 +14502,7 @@
               <a:buNone/>
             </a:pPr>
             <a:r>
-              <a:rPr kumimoji="0" lang="en-ZA" altLang="en-US" sz="1500" b="0" i="0" u="none" strike="noStrike" cap="none" normalizeH="0" baseline="0" dirty="0">
+              <a:rPr kumimoji="0" lang="en-ZA" altLang="en-US" sz="1600" b="0" i="0" u="none" strike="noStrike" cap="none" normalizeH="0" baseline="0" dirty="0">
                 <a:ln>
                   <a:noFill/>
                 </a:ln>
@@ -14461,7 +14526,7 @@
               <a:buNone/>
             </a:pPr>
             <a:r>
-              <a:rPr kumimoji="0" lang="en-ZA" altLang="en-US" sz="1500" b="0" i="0" u="none" strike="noStrike" cap="none" normalizeH="0" baseline="0" dirty="0">
+              <a:rPr kumimoji="0" lang="en-ZA" altLang="en-US" sz="1600" b="0" i="0" u="none" strike="noStrike" cap="none" normalizeH="0" baseline="0" dirty="0">
                 <a:ln>
                   <a:noFill/>
                 </a:ln>
@@ -14474,7 +14539,7 @@
               <a:t>for</a:t>
             </a:r>
             <a:r>
-              <a:rPr kumimoji="0" lang="en-ZA" altLang="en-US" sz="1500" b="0" i="0" u="none" strike="noStrike" cap="none" normalizeH="0" baseline="0" dirty="0">
+              <a:rPr kumimoji="0" lang="en-ZA" altLang="en-US" sz="1600" b="0" i="0" u="none" strike="noStrike" cap="none" normalizeH="0" baseline="0" dirty="0">
                 <a:ln>
                   <a:noFill/>
                 </a:ln>
@@ -14498,7 +14563,7 @@
               <a:buNone/>
             </a:pPr>
             <a:r>
-              <a:rPr kumimoji="0" lang="en-ZA" altLang="en-US" sz="1500" b="0" i="0" u="none" strike="noStrike" cap="none" normalizeH="0" baseline="0" dirty="0">
+              <a:rPr kumimoji="0" lang="en-ZA" altLang="en-US" sz="1600" b="0" i="0" u="none" strike="noStrike" cap="none" normalizeH="0" baseline="0" dirty="0">
                 <a:ln>
                   <a:noFill/>
                 </a:ln>
@@ -14522,7 +14587,7 @@
               <a:buNone/>
             </a:pPr>
             <a:r>
-              <a:rPr kumimoji="0" lang="en-ZA" altLang="en-US" sz="1500" b="0" i="0" u="none" strike="noStrike" cap="none" normalizeH="0" baseline="0" dirty="0">
+              <a:rPr kumimoji="0" lang="en-ZA" altLang="en-US" sz="1600" b="0" i="0" u="none" strike="noStrike" cap="none" normalizeH="0" baseline="0" dirty="0">
                 <a:ln>
                   <a:noFill/>
                 </a:ln>
@@ -14535,7 +14600,7 @@
               <a:t>    </a:t>
             </a:r>
             <a:r>
-              <a:rPr kumimoji="0" lang="en-ZA" altLang="en-US" sz="1500" b="0" i="0" u="none" strike="noStrike" cap="none" normalizeH="0" baseline="0" dirty="0">
+              <a:rPr kumimoji="0" lang="en-ZA" altLang="en-US" sz="1600" b="0" i="0" u="none" strike="noStrike" cap="none" normalizeH="0" baseline="0" dirty="0">
                 <a:ln>
                   <a:noFill/>
                 </a:ln>
@@ -14548,7 +14613,7 @@
               <a:t>if</a:t>
             </a:r>
             <a:r>
-              <a:rPr kumimoji="0" lang="en-ZA" altLang="en-US" sz="1500" b="0" i="0" u="none" strike="noStrike" cap="none" normalizeH="0" baseline="0" dirty="0">
+              <a:rPr kumimoji="0" lang="en-ZA" altLang="en-US" sz="1600" b="0" i="0" u="none" strike="noStrike" cap="none" normalizeH="0" baseline="0" dirty="0">
                 <a:ln>
                   <a:noFill/>
                 </a:ln>
@@ -14572,7 +14637,7 @@
               <a:buNone/>
             </a:pPr>
             <a:r>
-              <a:rPr kumimoji="0" lang="en-ZA" altLang="en-US" sz="1500" b="0" i="0" u="none" strike="noStrike" cap="none" normalizeH="0" baseline="0" dirty="0">
+              <a:rPr kumimoji="0" lang="en-ZA" altLang="en-US" sz="1600" b="0" i="0" u="none" strike="noStrike" cap="none" normalizeH="0" baseline="0" dirty="0">
                 <a:ln>
                   <a:noFill/>
                 </a:ln>
@@ -14585,7 +14650,7 @@
               <a:t>        </a:t>
             </a:r>
             <a:r>
-              <a:rPr kumimoji="0" lang="en-ZA" altLang="en-US" sz="1500" b="0" i="0" u="none" strike="noStrike" cap="none" normalizeH="0" baseline="0" dirty="0" err="1">
+              <a:rPr kumimoji="0" lang="en-ZA" altLang="en-US" sz="1600" b="0" i="0" u="none" strike="noStrike" cap="none" normalizeH="0" baseline="0" dirty="0" err="1">
                 <a:ln>
                   <a:noFill/>
                 </a:ln>
@@ -14598,7 +14663,7 @@
               <a:t>msgString</a:t>
             </a:r>
             <a:r>
-              <a:rPr kumimoji="0" lang="en-ZA" altLang="en-US" sz="1500" b="0" i="0" u="none" strike="noStrike" cap="none" normalizeH="0" baseline="0" dirty="0">
+              <a:rPr kumimoji="0" lang="en-ZA" altLang="en-US" sz="1600" b="0" i="0" u="none" strike="noStrike" cap="none" normalizeH="0" baseline="0" dirty="0">
                 <a:ln>
                   <a:noFill/>
                 </a:ln>
@@ -14611,7 +14676,7 @@
               <a:t> = </a:t>
             </a:r>
             <a:r>
-              <a:rPr kumimoji="0" lang="en-ZA" altLang="en-US" sz="1500" b="0" i="0" u="none" strike="noStrike" cap="none" normalizeH="0" baseline="0" dirty="0">
+              <a:rPr kumimoji="0" lang="en-ZA" altLang="en-US" sz="1600" b="0" i="0" u="none" strike="noStrike" cap="none" normalizeH="0" baseline="0" dirty="0">
                 <a:ln>
                   <a:noFill/>
                 </a:ln>
@@ -14635,7 +14700,7 @@
               <a:buNone/>
             </a:pPr>
             <a:r>
-              <a:rPr kumimoji="0" lang="en-ZA" altLang="en-US" sz="1500" b="0" i="0" u="none" strike="noStrike" cap="none" normalizeH="0" baseline="0" dirty="0">
+              <a:rPr kumimoji="0" lang="en-ZA" altLang="en-US" sz="1600" b="0" i="0" u="none" strike="noStrike" cap="none" normalizeH="0" baseline="0" dirty="0">
                 <a:ln>
                   <a:noFill/>
                 </a:ln>
@@ -14648,7 +14713,7 @@
               <a:t>    </a:t>
             </a:r>
             <a:r>
-              <a:rPr kumimoji="0" lang="en-ZA" altLang="en-US" sz="1500" b="0" i="0" u="none" strike="noStrike" cap="none" normalizeH="0" baseline="0" dirty="0">
+              <a:rPr kumimoji="0" lang="en-ZA" altLang="en-US" sz="1600" b="0" i="0" u="none" strike="noStrike" cap="none" normalizeH="0" baseline="0" dirty="0">
                 <a:ln>
                   <a:noFill/>
                 </a:ln>
@@ -14672,7 +14737,7 @@
               <a:buNone/>
             </a:pPr>
             <a:r>
-              <a:rPr kumimoji="0" lang="en-ZA" altLang="en-US" sz="1500" b="0" i="0" u="none" strike="noStrike" cap="none" normalizeH="0" baseline="0" dirty="0">
+              <a:rPr kumimoji="0" lang="en-ZA" altLang="en-US" sz="1600" b="0" i="0" u="none" strike="noStrike" cap="none" normalizeH="0" baseline="0" dirty="0">
                 <a:ln>
                   <a:noFill/>
                 </a:ln>
